--- a/Presentations/Unit 3/CS8392-U3-1-Exceptions.pptx
+++ b/Presentations/Unit 3/CS8392-U3-1-Exceptions.pptx
@@ -5,7 +5,7 @@
     <p:sldMasterId id="2147483648" r:id="rId1"/>
   </p:sldMasterIdLst>
   <p:notesMasterIdLst>
-    <p:notesMasterId r:id="rId39"/>
+    <p:notesMasterId r:id="rId40"/>
   </p:notesMasterIdLst>
   <p:sldIdLst>
     <p:sldId id="256" r:id="rId2"/>
@@ -16,35 +16,36 @@
     <p:sldId id="290" r:id="rId7"/>
     <p:sldId id="291" r:id="rId8"/>
     <p:sldId id="292" r:id="rId9"/>
-    <p:sldId id="293" r:id="rId10"/>
-    <p:sldId id="294" r:id="rId11"/>
-    <p:sldId id="295" r:id="rId12"/>
-    <p:sldId id="296" r:id="rId13"/>
-    <p:sldId id="297" r:id="rId14"/>
-    <p:sldId id="298" r:id="rId15"/>
-    <p:sldId id="299" r:id="rId16"/>
-    <p:sldId id="300" r:id="rId17"/>
-    <p:sldId id="301" r:id="rId18"/>
-    <p:sldId id="302" r:id="rId19"/>
-    <p:sldId id="303" r:id="rId20"/>
-    <p:sldId id="304" r:id="rId21"/>
-    <p:sldId id="305" r:id="rId22"/>
-    <p:sldId id="306" r:id="rId23"/>
-    <p:sldId id="308" r:id="rId24"/>
-    <p:sldId id="307" r:id="rId25"/>
-    <p:sldId id="319" r:id="rId26"/>
-    <p:sldId id="320" r:id="rId27"/>
-    <p:sldId id="321" r:id="rId28"/>
-    <p:sldId id="309" r:id="rId29"/>
-    <p:sldId id="310" r:id="rId30"/>
-    <p:sldId id="311" r:id="rId31"/>
-    <p:sldId id="312" r:id="rId32"/>
-    <p:sldId id="313" r:id="rId33"/>
-    <p:sldId id="314" r:id="rId34"/>
-    <p:sldId id="315" r:id="rId35"/>
-    <p:sldId id="317" r:id="rId36"/>
-    <p:sldId id="318" r:id="rId37"/>
-    <p:sldId id="272" r:id="rId38"/>
+    <p:sldId id="322" r:id="rId10"/>
+    <p:sldId id="293" r:id="rId11"/>
+    <p:sldId id="294" r:id="rId12"/>
+    <p:sldId id="295" r:id="rId13"/>
+    <p:sldId id="296" r:id="rId14"/>
+    <p:sldId id="297" r:id="rId15"/>
+    <p:sldId id="298" r:id="rId16"/>
+    <p:sldId id="299" r:id="rId17"/>
+    <p:sldId id="300" r:id="rId18"/>
+    <p:sldId id="301" r:id="rId19"/>
+    <p:sldId id="302" r:id="rId20"/>
+    <p:sldId id="303" r:id="rId21"/>
+    <p:sldId id="304" r:id="rId22"/>
+    <p:sldId id="305" r:id="rId23"/>
+    <p:sldId id="306" r:id="rId24"/>
+    <p:sldId id="308" r:id="rId25"/>
+    <p:sldId id="307" r:id="rId26"/>
+    <p:sldId id="319" r:id="rId27"/>
+    <p:sldId id="320" r:id="rId28"/>
+    <p:sldId id="321" r:id="rId29"/>
+    <p:sldId id="309" r:id="rId30"/>
+    <p:sldId id="310" r:id="rId31"/>
+    <p:sldId id="311" r:id="rId32"/>
+    <p:sldId id="312" r:id="rId33"/>
+    <p:sldId id="313" r:id="rId34"/>
+    <p:sldId id="314" r:id="rId35"/>
+    <p:sldId id="315" r:id="rId36"/>
+    <p:sldId id="317" r:id="rId37"/>
+    <p:sldId id="318" r:id="rId38"/>
+    <p:sldId id="272" r:id="rId39"/>
   </p:sldIdLst>
   <p:sldSz cx="9144000" cy="6858000" type="screen4x3"/>
   <p:notesSz cx="6858000" cy="9144000"/>
@@ -3656,7 +3657,7 @@
             <a:fld id="{9515075B-F3F0-4441-A1BD-B7B515B708FF}" type="datetimeFigureOut">
               <a:rPr lang="en-US" smtClean="0"/>
               <a:pPr/>
-              <a:t>9/23/2018</a:t>
+              <a:t>7/17/2019</a:t>
             </a:fld>
             <a:endParaRPr lang="en-US"/>
           </a:p>
@@ -4072,7 +4073,7 @@
             <a:fld id="{7399046D-0A48-46A7-81AC-1A4C0754FE96}" type="slidenum">
               <a:rPr lang="en-US" smtClean="0"/>
               <a:pPr/>
-              <a:t>11</a:t>
+              <a:t>12</a:t>
             </a:fld>
             <a:endParaRPr lang="en-US"/>
           </a:p>
@@ -4154,7 +4155,7 @@
             <a:fld id="{7399046D-0A48-46A7-81AC-1A4C0754FE96}" type="slidenum">
               <a:rPr lang="en-US" smtClean="0"/>
               <a:pPr/>
-              <a:t>15</a:t>
+              <a:t>16</a:t>
             </a:fld>
             <a:endParaRPr lang="en-US"/>
           </a:p>
@@ -4236,7 +4237,7 @@
             <a:fld id="{7399046D-0A48-46A7-81AC-1A4C0754FE96}" type="slidenum">
               <a:rPr lang="en-US" smtClean="0"/>
               <a:pPr/>
-              <a:t>27</a:t>
+              <a:t>28</a:t>
             </a:fld>
             <a:endParaRPr lang="en-US"/>
           </a:p>
@@ -4318,7 +4319,7 @@
             <a:fld id="{7399046D-0A48-46A7-81AC-1A4C0754FE96}" type="slidenum">
               <a:rPr lang="en-US" smtClean="0"/>
               <a:pPr/>
-              <a:t>28</a:t>
+              <a:t>29</a:t>
             </a:fld>
             <a:endParaRPr lang="en-US"/>
           </a:p>
@@ -4521,7 +4522,7 @@
             <a:fld id="{6E658DF8-B8C0-4C7F-85EB-B53A2DDD44A9}" type="datetimeFigureOut">
               <a:rPr lang="en-US" smtClean="0"/>
               <a:pPr/>
-              <a:t>9/23/2018</a:t>
+              <a:t>7/17/2019</a:t>
             </a:fld>
             <a:endParaRPr lang="en-US"/>
           </a:p>
@@ -4688,7 +4689,7 @@
             <a:fld id="{6E658DF8-B8C0-4C7F-85EB-B53A2DDD44A9}" type="datetimeFigureOut">
               <a:rPr lang="en-US" smtClean="0"/>
               <a:pPr/>
-              <a:t>9/23/2018</a:t>
+              <a:t>7/17/2019</a:t>
             </a:fld>
             <a:endParaRPr lang="en-US"/>
           </a:p>
@@ -4865,7 +4866,7 @@
             <a:fld id="{6E658DF8-B8C0-4C7F-85EB-B53A2DDD44A9}" type="datetimeFigureOut">
               <a:rPr lang="en-US" smtClean="0"/>
               <a:pPr/>
-              <a:t>9/23/2018</a:t>
+              <a:t>7/17/2019</a:t>
             </a:fld>
             <a:endParaRPr lang="en-US"/>
           </a:p>
@@ -5064,7 +5065,7 @@
             <a:fld id="{6E658DF8-B8C0-4C7F-85EB-B53A2DDD44A9}" type="datetimeFigureOut">
               <a:rPr lang="en-US" smtClean="0"/>
               <a:pPr/>
-              <a:t>9/23/2018</a:t>
+              <a:t>7/17/2019</a:t>
             </a:fld>
             <a:endParaRPr lang="en-US"/>
           </a:p>
@@ -5307,7 +5308,7 @@
             <a:fld id="{6E658DF8-B8C0-4C7F-85EB-B53A2DDD44A9}" type="datetimeFigureOut">
               <a:rPr lang="en-US" smtClean="0"/>
               <a:pPr/>
-              <a:t>9/23/2018</a:t>
+              <a:t>7/17/2019</a:t>
             </a:fld>
             <a:endParaRPr lang="en-US"/>
           </a:p>
@@ -5592,7 +5593,7 @@
             <a:fld id="{6E658DF8-B8C0-4C7F-85EB-B53A2DDD44A9}" type="datetimeFigureOut">
               <a:rPr lang="en-US" smtClean="0"/>
               <a:pPr/>
-              <a:t>9/23/2018</a:t>
+              <a:t>7/17/2019</a:t>
             </a:fld>
             <a:endParaRPr lang="en-US"/>
           </a:p>
@@ -6011,7 +6012,7 @@
             <a:fld id="{6E658DF8-B8C0-4C7F-85EB-B53A2DDD44A9}" type="datetimeFigureOut">
               <a:rPr lang="en-US" smtClean="0"/>
               <a:pPr/>
-              <a:t>9/23/2018</a:t>
+              <a:t>7/17/2019</a:t>
             </a:fld>
             <a:endParaRPr lang="en-US"/>
           </a:p>
@@ -6126,7 +6127,7 @@
             <a:fld id="{6E658DF8-B8C0-4C7F-85EB-B53A2DDD44A9}" type="datetimeFigureOut">
               <a:rPr lang="en-US" smtClean="0"/>
               <a:pPr/>
-              <a:t>9/23/2018</a:t>
+              <a:t>7/17/2019</a:t>
             </a:fld>
             <a:endParaRPr lang="en-US"/>
           </a:p>
@@ -6218,7 +6219,7 @@
             <a:fld id="{6E658DF8-B8C0-4C7F-85EB-B53A2DDD44A9}" type="datetimeFigureOut">
               <a:rPr lang="en-US" smtClean="0"/>
               <a:pPr/>
-              <a:t>9/23/2018</a:t>
+              <a:t>7/17/2019</a:t>
             </a:fld>
             <a:endParaRPr lang="en-US"/>
           </a:p>
@@ -6492,7 +6493,7 @@
             <a:fld id="{6E658DF8-B8C0-4C7F-85EB-B53A2DDD44A9}" type="datetimeFigureOut">
               <a:rPr lang="en-US" smtClean="0"/>
               <a:pPr/>
-              <a:t>9/23/2018</a:t>
+              <a:t>7/17/2019</a:t>
             </a:fld>
             <a:endParaRPr lang="en-US"/>
           </a:p>
@@ -6742,7 +6743,7 @@
             <a:fld id="{6E658DF8-B8C0-4C7F-85EB-B53A2DDD44A9}" type="datetimeFigureOut">
               <a:rPr lang="en-US" smtClean="0"/>
               <a:pPr/>
-              <a:t>9/23/2018</a:t>
+              <a:t>7/17/2019</a:t>
             </a:fld>
             <a:endParaRPr lang="en-US"/>
           </a:p>
@@ -6958,7 +6959,7 @@
             <a:fld id="{6E658DF8-B8C0-4C7F-85EB-B53A2DDD44A9}" type="datetimeFigureOut">
               <a:rPr lang="en-US" smtClean="0"/>
               <a:pPr/>
-              <a:t>9/23/2018</a:t>
+              <a:t>7/17/2019</a:t>
             </a:fld>
             <a:endParaRPr lang="en-US"/>
           </a:p>
@@ -7557,7 +7558,7 @@
           <a:p>
             <a:r>
               <a:rPr lang="en-IN" dirty="0" smtClean="0"/>
-              <a:t>Basic Blocks of Exceptions</a:t>
+              <a:t>Exceptions</a:t>
             </a:r>
             <a:endParaRPr lang="en-US" dirty="0"/>
           </a:p>
@@ -7576,48 +7577,57 @@
         <p:spPr/>
         <p:txBody>
           <a:bodyPr>
-            <a:normAutofit lnSpcReduction="10000"/>
+            <a:normAutofit/>
           </a:bodyPr>
           <a:lstStyle/>
           <a:p>
             <a:r>
               <a:rPr lang="en-IN" dirty="0" smtClean="0"/>
-              <a:t>Critical Section</a:t>
-            </a:r>
+              <a:t>Runtime Exceptions</a:t>
+            </a:r>
+            <a:endParaRPr lang="en-US" dirty="0" smtClean="0"/>
           </a:p>
           <a:p>
             <a:pPr lvl="1"/>
             <a:r>
-              <a:rPr lang="en-IN" dirty="0" smtClean="0"/>
-              <a:t>A Section of a program that deals with resources that may rise exceptions.</a:t>
-            </a:r>
-          </a:p>
-          <a:p>
-            <a:r>
-              <a:rPr lang="en-IN" dirty="0" smtClean="0"/>
-              <a:t>Try Block</a:t>
+              <a:rPr lang="en-US" dirty="0" smtClean="0"/>
+              <a:t>A bad cast</a:t>
             </a:r>
           </a:p>
           <a:p>
             <a:pPr lvl="1"/>
             <a:r>
-              <a:rPr lang="en-IN" dirty="0" smtClean="0"/>
-              <a:t>A block that contains critical sections of program.</a:t>
-            </a:r>
-          </a:p>
-          <a:p>
-            <a:r>
-              <a:rPr lang="en-IN" dirty="0" smtClean="0"/>
-              <a:t>Catch Block</a:t>
+              <a:rPr lang="en-US" dirty="0" smtClean="0"/>
+              <a:t>An out-of-bounds array access</a:t>
             </a:r>
           </a:p>
           <a:p>
             <a:pPr lvl="1"/>
             <a:r>
-              <a:rPr lang="en-IN" dirty="0" smtClean="0"/>
-              <a:t>A block of code that understands and handles the exceptions.</a:t>
-            </a:r>
-            <a:endParaRPr lang="en-US" dirty="0"/>
+              <a:rPr lang="en-US" dirty="0" smtClean="0"/>
+              <a:t>A null pointer access</a:t>
+            </a:r>
+          </a:p>
+          <a:p>
+            <a:r>
+              <a:rPr lang="en-IN" dirty="0" err="1" smtClean="0"/>
+              <a:t>IOExceptions</a:t>
+            </a:r>
+            <a:endParaRPr lang="en-IN" dirty="0" smtClean="0"/>
+          </a:p>
+          <a:p>
+            <a:pPr lvl="1"/>
+            <a:r>
+              <a:rPr lang="en-US" dirty="0" smtClean="0"/>
+              <a:t>Trying to read past the end of a file</a:t>
+            </a:r>
+          </a:p>
+          <a:p>
+            <a:pPr lvl="1"/>
+            <a:r>
+              <a:rPr lang="en-US" dirty="0" smtClean="0"/>
+              <a:t>Trying to open a file that doesn’t exist</a:t>
+            </a:r>
           </a:p>
         </p:txBody>
       </p:sp>
@@ -7663,7 +7673,7 @@
           <a:p>
             <a:r>
               <a:rPr lang="en-IN" dirty="0" smtClean="0"/>
-              <a:t>Syntax</a:t>
+              <a:t>Basic Blocks of Exceptions</a:t>
             </a:r>
             <a:endParaRPr lang="en-US" dirty="0"/>
           </a:p>
@@ -7679,680 +7689,51 @@
             <p:ph idx="1"/>
           </p:nvPr>
         </p:nvSpPr>
-        <p:spPr>
-          <a:xfrm>
-            <a:off x="457200" y="1600200"/>
-            <a:ext cx="4724400" cy="4525963"/>
-          </a:xfrm>
-        </p:spPr>
+        <p:spPr/>
         <p:txBody>
           <a:bodyPr>
-            <a:normAutofit/>
-          </a:bodyPr>
-          <a:lstStyle/>
-          <a:p>
-            <a:pPr>
-              <a:buNone/>
-            </a:pPr>
-            <a:r>
-              <a:rPr lang="en-IN" sz="2500" dirty="0" smtClean="0">
-                <a:solidFill>
-                  <a:srgbClr val="FF0000"/>
-                </a:solidFill>
-              </a:rPr>
-              <a:t>try</a:t>
-            </a:r>
-            <a:r>
-              <a:rPr lang="en-IN" sz="2500" dirty="0" smtClean="0"/>
-              <a:t>{</a:t>
-            </a:r>
-          </a:p>
-          <a:p>
-            <a:pPr>
-              <a:buNone/>
-            </a:pPr>
-            <a:r>
-              <a:rPr lang="en-IN" sz="2500" dirty="0" smtClean="0"/>
-              <a:t>	//critical section</a:t>
-            </a:r>
-          </a:p>
-          <a:p>
-            <a:pPr>
-              <a:buNone/>
-            </a:pPr>
-            <a:r>
-              <a:rPr lang="en-IN" sz="2500" dirty="0" smtClean="0"/>
-              <a:t>	</a:t>
-            </a:r>
-            <a:r>
-              <a:rPr lang="en-IN" sz="2500" dirty="0" smtClean="0">
-                <a:solidFill>
-                  <a:srgbClr val="FF0000"/>
-                </a:solidFill>
-              </a:rPr>
-              <a:t> throw</a:t>
-            </a:r>
-            <a:r>
-              <a:rPr lang="en-IN" sz="2500" dirty="0" smtClean="0"/>
-              <a:t> new Exception()</a:t>
-            </a:r>
-          </a:p>
-          <a:p>
-            <a:pPr>
-              <a:buNone/>
-            </a:pPr>
-            <a:r>
-              <a:rPr lang="en-IN" sz="2500" dirty="0" smtClean="0"/>
-              <a:t>}</a:t>
-            </a:r>
-          </a:p>
-          <a:p>
-            <a:pPr>
-              <a:buNone/>
-            </a:pPr>
-            <a:r>
-              <a:rPr lang="en-IN" sz="2500" dirty="0" smtClean="0">
-                <a:solidFill>
-                  <a:srgbClr val="FF0000"/>
-                </a:solidFill>
-              </a:rPr>
-              <a:t>catch</a:t>
-            </a:r>
-            <a:r>
-              <a:rPr lang="en-IN" sz="2500" dirty="0" smtClean="0"/>
-              <a:t>(exceptions){</a:t>
-            </a:r>
-          </a:p>
-          <a:p>
-            <a:pPr>
-              <a:buNone/>
-            </a:pPr>
-            <a:r>
-              <a:rPr lang="en-IN" sz="2500" dirty="0" smtClean="0"/>
-              <a:t>//exception handling code</a:t>
-            </a:r>
-          </a:p>
-          <a:p>
-            <a:pPr>
-              <a:buNone/>
-            </a:pPr>
-            <a:r>
-              <a:rPr lang="en-IN" sz="2500" dirty="0" smtClean="0"/>
-              <a:t>}</a:t>
-            </a:r>
-            <a:endParaRPr lang="en-US" sz="2500" dirty="0"/>
-          </a:p>
-        </p:txBody>
-      </p:sp>
-      <p:sp>
-        <p:nvSpPr>
-          <p:cNvPr id="4" name="Content Placeholder 2"/>
-          <p:cNvSpPr txBox="1">
-            <a:spLocks/>
-          </p:cNvSpPr>
-          <p:nvPr/>
-        </p:nvSpPr>
-        <p:spPr>
-          <a:xfrm>
-            <a:off x="4267200" y="1570037"/>
-            <a:ext cx="4724400" cy="4525963"/>
-          </a:xfrm>
-          <a:prstGeom prst="rect">
-            <a:avLst/>
-          </a:prstGeom>
-        </p:spPr>
-        <p:txBody>
-          <a:bodyPr vert="horz" lIns="91440" tIns="45720" rIns="91440" bIns="45720" rtlCol="0">
             <a:normAutofit lnSpcReduction="10000"/>
           </a:bodyPr>
           <a:lstStyle/>
           <a:p>
-            <a:pPr marL="342900" marR="0" lvl="0" indent="-342900" algn="l" defTabSz="914400" rtl="0" eaLnBrk="1" fontAlgn="auto" latinLnBrk="0" hangingPunct="1">
-              <a:lnSpc>
-                <a:spcPct val="100000"/>
-              </a:lnSpc>
-              <a:spcBef>
-                <a:spcPct val="20000"/>
-              </a:spcBef>
-              <a:spcAft>
-                <a:spcPts val="0"/>
-              </a:spcAft>
-              <a:buClrTx/>
-              <a:buSzTx/>
-              <a:buFont typeface="Arial" pitchFamily="34" charset="0"/>
-              <a:buNone/>
-              <a:tabLst/>
-              <a:defRPr/>
-            </a:pPr>
-            <a:r>
-              <a:rPr kumimoji="0" lang="en-IN" sz="2500" b="0" i="0" u="none" strike="noStrike" kern="1200" cap="none" spc="0" normalizeH="0" baseline="0" noProof="0" dirty="0" smtClean="0">
-                <a:ln>
-                  <a:noFill/>
-                </a:ln>
-                <a:solidFill>
-                  <a:srgbClr val="FF0000"/>
-                </a:solidFill>
-                <a:effectLst/>
-                <a:uLnTx/>
-                <a:uFillTx/>
-                <a:latin typeface="Cambria" pitchFamily="18" charset="0"/>
-                <a:ea typeface="+mn-ea"/>
-                <a:cs typeface="+mn-cs"/>
-              </a:rPr>
-              <a:t>try</a:t>
-            </a:r>
-            <a:r>
-              <a:rPr kumimoji="0" lang="en-IN" sz="2500" b="0" i="0" u="none" strike="noStrike" kern="1200" cap="none" spc="0" normalizeH="0" baseline="0" noProof="0" dirty="0" smtClean="0">
-                <a:ln>
-                  <a:noFill/>
-                </a:ln>
-                <a:solidFill>
-                  <a:schemeClr val="tx1"/>
-                </a:solidFill>
-                <a:effectLst/>
-                <a:uLnTx/>
-                <a:uFillTx/>
-                <a:latin typeface="Cambria" pitchFamily="18" charset="0"/>
-                <a:ea typeface="+mn-ea"/>
-                <a:cs typeface="+mn-cs"/>
-              </a:rPr>
-              <a:t>{</a:t>
-            </a:r>
-          </a:p>
-          <a:p>
-            <a:pPr marL="342900" marR="0" lvl="0" indent="-342900" algn="l" defTabSz="914400" rtl="0" eaLnBrk="1" fontAlgn="auto" latinLnBrk="0" hangingPunct="1">
-              <a:lnSpc>
-                <a:spcPct val="100000"/>
-              </a:lnSpc>
-              <a:spcBef>
-                <a:spcPct val="20000"/>
-              </a:spcBef>
-              <a:spcAft>
-                <a:spcPts val="0"/>
-              </a:spcAft>
-              <a:buClrTx/>
-              <a:buSzTx/>
-              <a:buFont typeface="Arial" pitchFamily="34" charset="0"/>
-              <a:buNone/>
-              <a:tabLst/>
-              <a:defRPr/>
-            </a:pPr>
-            <a:r>
-              <a:rPr kumimoji="0" lang="en-IN" sz="2500" b="0" i="0" u="none" strike="noStrike" kern="1200" cap="none" spc="0" normalizeH="0" baseline="0" noProof="0" dirty="0" smtClean="0">
-                <a:ln>
-                  <a:noFill/>
-                </a:ln>
-                <a:solidFill>
-                  <a:schemeClr val="tx1"/>
-                </a:solidFill>
-                <a:effectLst/>
-                <a:uLnTx/>
-                <a:uFillTx/>
-                <a:latin typeface="Cambria" pitchFamily="18" charset="0"/>
-                <a:ea typeface="+mn-ea"/>
-                <a:cs typeface="+mn-cs"/>
-              </a:rPr>
-              <a:t>	//critical section</a:t>
-            </a:r>
-          </a:p>
-          <a:p>
-            <a:pPr marL="342900" lvl="0" indent="-342900">
-              <a:spcBef>
-                <a:spcPct val="20000"/>
-              </a:spcBef>
-            </a:pPr>
-            <a:r>
-              <a:rPr lang="en-IN" sz="2500" dirty="0" smtClean="0">
-                <a:latin typeface="Cambria" pitchFamily="18" charset="0"/>
-              </a:rPr>
-              <a:t>	</a:t>
-            </a:r>
-            <a:r>
-              <a:rPr lang="en-IN" sz="2500" dirty="0" smtClean="0">
-                <a:solidFill>
-                  <a:srgbClr val="FF0000"/>
-                </a:solidFill>
-                <a:latin typeface="Cambria" pitchFamily="18" charset="0"/>
-              </a:rPr>
-              <a:t> throw</a:t>
-            </a:r>
-            <a:r>
-              <a:rPr lang="en-IN" sz="2500" dirty="0" smtClean="0">
-                <a:latin typeface="Cambria" pitchFamily="18" charset="0"/>
-              </a:rPr>
-              <a:t> new Exception()</a:t>
-            </a:r>
-            <a:endParaRPr kumimoji="0" lang="en-IN" sz="2500" b="0" i="0" u="none" strike="noStrike" kern="1200" cap="none" spc="0" normalizeH="0" baseline="0" noProof="0" dirty="0" smtClean="0">
-              <a:ln>
-                <a:noFill/>
-              </a:ln>
-              <a:solidFill>
-                <a:schemeClr val="tx1"/>
-              </a:solidFill>
-              <a:effectLst/>
-              <a:uLnTx/>
-              <a:uFillTx/>
-              <a:latin typeface="Cambria" pitchFamily="18" charset="0"/>
-              <a:ea typeface="+mn-ea"/>
-              <a:cs typeface="+mn-cs"/>
-            </a:endParaRPr>
-          </a:p>
-          <a:p>
-            <a:pPr marL="342900" marR="0" lvl="0" indent="-342900" algn="l" defTabSz="914400" rtl="0" eaLnBrk="1" fontAlgn="auto" latinLnBrk="0" hangingPunct="1">
-              <a:lnSpc>
-                <a:spcPct val="100000"/>
-              </a:lnSpc>
-              <a:spcBef>
-                <a:spcPct val="20000"/>
-              </a:spcBef>
-              <a:spcAft>
-                <a:spcPts val="0"/>
-              </a:spcAft>
-              <a:buClrTx/>
-              <a:buSzTx/>
-              <a:buFont typeface="Arial" pitchFamily="34" charset="0"/>
-              <a:buNone/>
-              <a:tabLst/>
-              <a:defRPr/>
-            </a:pPr>
-            <a:r>
-              <a:rPr kumimoji="0" lang="en-IN" sz="2500" b="0" i="0" u="none" strike="noStrike" kern="1200" cap="none" spc="0" normalizeH="0" baseline="0" noProof="0" dirty="0" smtClean="0">
-                <a:ln>
-                  <a:noFill/>
-                </a:ln>
-                <a:solidFill>
-                  <a:schemeClr val="tx1"/>
-                </a:solidFill>
-                <a:effectLst/>
-                <a:uLnTx/>
-                <a:uFillTx/>
-                <a:latin typeface="Cambria" pitchFamily="18" charset="0"/>
-                <a:ea typeface="+mn-ea"/>
-                <a:cs typeface="+mn-cs"/>
-              </a:rPr>
-              <a:t>}</a:t>
-            </a:r>
-          </a:p>
-          <a:p>
-            <a:pPr marL="342900" lvl="0" indent="-342900">
-              <a:spcBef>
-                <a:spcPct val="20000"/>
-              </a:spcBef>
-              <a:defRPr/>
-            </a:pPr>
-            <a:r>
-              <a:rPr lang="en-IN" sz="2500" dirty="0" smtClean="0">
-                <a:solidFill>
-                  <a:srgbClr val="FF0000"/>
-                </a:solidFill>
-                <a:latin typeface="Cambria" pitchFamily="18" charset="0"/>
-              </a:rPr>
-              <a:t>catch</a:t>
-            </a:r>
-            <a:r>
-              <a:rPr lang="en-IN" sz="2500" dirty="0" smtClean="0">
-                <a:latin typeface="Cambria" pitchFamily="18" charset="0"/>
-              </a:rPr>
-              <a:t>(exception type 1){</a:t>
-            </a:r>
-          </a:p>
-          <a:p>
-            <a:pPr marL="342900" lvl="0" indent="-342900">
-              <a:spcBef>
-                <a:spcPct val="20000"/>
-              </a:spcBef>
-              <a:defRPr/>
-            </a:pPr>
-            <a:r>
-              <a:rPr lang="en-IN" sz="2500" dirty="0" smtClean="0">
-                <a:latin typeface="Cambria" pitchFamily="18" charset="0"/>
-              </a:rPr>
-              <a:t>//exception handling code</a:t>
-            </a:r>
-          </a:p>
-          <a:p>
-            <a:pPr marL="342900" lvl="0" indent="-342900">
-              <a:spcBef>
-                <a:spcPct val="20000"/>
-              </a:spcBef>
-              <a:defRPr/>
-            </a:pPr>
-            <a:r>
-              <a:rPr lang="en-IN" sz="2500" dirty="0" smtClean="0">
-                <a:latin typeface="Cambria" pitchFamily="18" charset="0"/>
-              </a:rPr>
-              <a:t>}</a:t>
-            </a:r>
-            <a:endParaRPr kumimoji="0" lang="en-IN" sz="2500" b="0" i="0" u="none" strike="noStrike" kern="1200" cap="none" spc="0" normalizeH="0" baseline="0" noProof="0" dirty="0" smtClean="0">
-              <a:ln>
-                <a:noFill/>
-              </a:ln>
-              <a:solidFill>
-                <a:srgbClr val="FF0000"/>
-              </a:solidFill>
-              <a:effectLst/>
-              <a:uLnTx/>
-              <a:uFillTx/>
-              <a:latin typeface="Cambria" pitchFamily="18" charset="0"/>
-              <a:ea typeface="+mn-ea"/>
-              <a:cs typeface="+mn-cs"/>
-            </a:endParaRPr>
-          </a:p>
-          <a:p>
-            <a:pPr marL="342900" lvl="0" indent="-342900">
-              <a:spcBef>
-                <a:spcPct val="20000"/>
-              </a:spcBef>
-            </a:pPr>
-            <a:r>
-              <a:rPr kumimoji="0" lang="en-IN" sz="2500" b="0" i="0" u="none" strike="noStrike" kern="1200" cap="none" spc="0" normalizeH="0" baseline="0" noProof="0" dirty="0" smtClean="0">
-                <a:ln>
-                  <a:noFill/>
-                </a:ln>
-                <a:solidFill>
-                  <a:srgbClr val="FF0000"/>
-                </a:solidFill>
-                <a:effectLst/>
-                <a:uLnTx/>
-                <a:uFillTx/>
-                <a:latin typeface="Cambria" pitchFamily="18" charset="0"/>
-                <a:ea typeface="+mn-ea"/>
-                <a:cs typeface="+mn-cs"/>
-              </a:rPr>
-              <a:t>catch</a:t>
-            </a:r>
-            <a:r>
-              <a:rPr kumimoji="0" lang="en-IN" sz="2500" b="0" i="0" u="none" strike="noStrike" kern="1200" cap="none" spc="0" normalizeH="0" baseline="0" noProof="0" dirty="0" smtClean="0">
-                <a:ln>
-                  <a:noFill/>
-                </a:ln>
-                <a:solidFill>
-                  <a:schemeClr val="tx1"/>
-                </a:solidFill>
-                <a:effectLst/>
-                <a:uLnTx/>
-                <a:uFillTx/>
-                <a:latin typeface="Cambria" pitchFamily="18" charset="0"/>
-                <a:ea typeface="+mn-ea"/>
-                <a:cs typeface="+mn-cs"/>
-              </a:rPr>
-              <a:t>(</a:t>
-            </a:r>
-            <a:r>
-              <a:rPr lang="en-IN" sz="2500" dirty="0" smtClean="0">
-                <a:latin typeface="Cambria" pitchFamily="18" charset="0"/>
-              </a:rPr>
-              <a:t>exception type 2</a:t>
-            </a:r>
-            <a:r>
-              <a:rPr kumimoji="0" lang="en-IN" sz="2500" b="0" i="0" u="none" strike="noStrike" kern="1200" cap="none" spc="0" normalizeH="0" baseline="0" noProof="0" dirty="0" smtClean="0">
-                <a:ln>
-                  <a:noFill/>
-                </a:ln>
-                <a:solidFill>
-                  <a:schemeClr val="tx1"/>
-                </a:solidFill>
-                <a:effectLst/>
-                <a:uLnTx/>
-                <a:uFillTx/>
-                <a:latin typeface="Cambria" pitchFamily="18" charset="0"/>
-                <a:ea typeface="+mn-ea"/>
-                <a:cs typeface="+mn-cs"/>
-              </a:rPr>
-              <a:t>){</a:t>
-            </a:r>
-          </a:p>
-          <a:p>
-            <a:pPr marL="342900" marR="0" lvl="0" indent="-342900" algn="l" defTabSz="914400" rtl="0" eaLnBrk="1" fontAlgn="auto" latinLnBrk="0" hangingPunct="1">
-              <a:lnSpc>
-                <a:spcPct val="100000"/>
-              </a:lnSpc>
-              <a:spcBef>
-                <a:spcPct val="20000"/>
-              </a:spcBef>
-              <a:spcAft>
-                <a:spcPts val="0"/>
-              </a:spcAft>
-              <a:buClrTx/>
-              <a:buSzTx/>
-              <a:buFont typeface="Arial" pitchFamily="34" charset="0"/>
-              <a:buNone/>
-              <a:tabLst/>
-              <a:defRPr/>
-            </a:pPr>
-            <a:r>
-              <a:rPr kumimoji="0" lang="en-IN" sz="2500" b="0" i="0" u="none" strike="noStrike" kern="1200" cap="none" spc="0" normalizeH="0" baseline="0" noProof="0" dirty="0" smtClean="0">
-                <a:ln>
-                  <a:noFill/>
-                </a:ln>
-                <a:solidFill>
-                  <a:schemeClr val="tx1"/>
-                </a:solidFill>
-                <a:effectLst/>
-                <a:uLnTx/>
-                <a:uFillTx/>
-                <a:latin typeface="Cambria" pitchFamily="18" charset="0"/>
-                <a:ea typeface="+mn-ea"/>
-                <a:cs typeface="+mn-cs"/>
-              </a:rPr>
-              <a:t>//exception handling code</a:t>
-            </a:r>
-          </a:p>
-          <a:p>
-            <a:pPr marL="342900" marR="0" lvl="0" indent="-342900" algn="l" defTabSz="914400" rtl="0" eaLnBrk="1" fontAlgn="auto" latinLnBrk="0" hangingPunct="1">
-              <a:lnSpc>
-                <a:spcPct val="100000"/>
-              </a:lnSpc>
-              <a:spcBef>
-                <a:spcPct val="20000"/>
-              </a:spcBef>
-              <a:spcAft>
-                <a:spcPts val="0"/>
-              </a:spcAft>
-              <a:buClrTx/>
-              <a:buSzTx/>
-              <a:buFont typeface="Arial" pitchFamily="34" charset="0"/>
-              <a:buNone/>
-              <a:tabLst/>
-              <a:defRPr/>
-            </a:pPr>
-            <a:r>
-              <a:rPr kumimoji="0" lang="en-IN" sz="2500" b="0" i="0" u="none" strike="noStrike" kern="1200" cap="none" spc="0" normalizeH="0" baseline="0" noProof="0" dirty="0" smtClean="0">
-                <a:ln>
-                  <a:noFill/>
-                </a:ln>
-                <a:solidFill>
-                  <a:schemeClr val="tx1"/>
-                </a:solidFill>
-                <a:effectLst/>
-                <a:uLnTx/>
-                <a:uFillTx/>
-                <a:latin typeface="Cambria" pitchFamily="18" charset="0"/>
-                <a:ea typeface="+mn-ea"/>
-                <a:cs typeface="+mn-cs"/>
-              </a:rPr>
-              <a:t>}</a:t>
-            </a:r>
-            <a:endParaRPr kumimoji="0" lang="en-US" sz="2500" b="0" i="0" u="none" strike="noStrike" kern="1200" cap="none" spc="0" normalizeH="0" baseline="0" noProof="0" dirty="0">
-              <a:ln>
-                <a:noFill/>
-              </a:ln>
-              <a:solidFill>
-                <a:schemeClr val="tx1"/>
-              </a:solidFill>
-              <a:effectLst/>
-              <a:uLnTx/>
-              <a:uFillTx/>
-              <a:latin typeface="Cambria" pitchFamily="18" charset="0"/>
-              <a:ea typeface="+mn-ea"/>
-              <a:cs typeface="+mn-cs"/>
-            </a:endParaRPr>
-          </a:p>
-        </p:txBody>
-      </p:sp>
-      <p:sp>
-        <p:nvSpPr>
-          <p:cNvPr id="5" name="Title 1"/>
-          <p:cNvSpPr txBox="1">
-            <a:spLocks/>
-          </p:cNvSpPr>
-          <p:nvPr/>
-        </p:nvSpPr>
-        <p:spPr>
-          <a:xfrm>
-            <a:off x="457200" y="5257800"/>
-            <a:ext cx="2438400" cy="563562"/>
-          </a:xfrm>
-          <a:prstGeom prst="rect">
-            <a:avLst/>
-          </a:prstGeom>
-          <a:ln/>
-        </p:spPr>
-        <p:style>
-          <a:lnRef idx="1">
-            <a:schemeClr val="accent5"/>
-          </a:lnRef>
-          <a:fillRef idx="2">
-            <a:schemeClr val="accent5"/>
-          </a:fillRef>
-          <a:effectRef idx="1">
-            <a:schemeClr val="accent5"/>
-          </a:effectRef>
-          <a:fontRef idx="minor">
-            <a:schemeClr val="dk1"/>
-          </a:fontRef>
-        </p:style>
-        <p:txBody>
-          <a:bodyPr vert="horz" lIns="91440" tIns="45720" rIns="91440" bIns="45720" rtlCol="0" anchor="ctr">
-            <a:normAutofit fontScale="92500"/>
-          </a:bodyPr>
-          <a:lstStyle/>
-          <a:p>
-            <a:pPr marL="0" marR="0" lvl="0" indent="0" algn="ctr" defTabSz="914400" rtl="0" eaLnBrk="1" fontAlgn="auto" latinLnBrk="0" hangingPunct="1">
-              <a:lnSpc>
-                <a:spcPct val="100000"/>
-              </a:lnSpc>
-              <a:spcBef>
-                <a:spcPct val="0"/>
-              </a:spcBef>
-              <a:spcAft>
-                <a:spcPts val="0"/>
-              </a:spcAft>
-              <a:buClrTx/>
-              <a:buSzTx/>
-              <a:buFontTx/>
-              <a:buNone/>
-              <a:tabLst/>
-              <a:defRPr/>
-            </a:pPr>
-            <a:r>
-              <a:rPr lang="en-IN" sz="2500" dirty="0" smtClean="0">
-                <a:solidFill>
-                  <a:schemeClr val="tx1"/>
-                </a:solidFill>
-                <a:latin typeface="Cambria" pitchFamily="18" charset="0"/>
-                <a:ea typeface="+mj-ea"/>
-                <a:cs typeface="+mj-cs"/>
-              </a:rPr>
-              <a:t>Simple Try Catch</a:t>
-            </a:r>
-            <a:endParaRPr kumimoji="0" lang="en-US" sz="2500" b="0" i="0" u="none" strike="noStrike" kern="1200" cap="none" spc="0" normalizeH="0" baseline="0" noProof="0" dirty="0">
-              <a:ln>
-                <a:noFill/>
-              </a:ln>
-              <a:solidFill>
-                <a:schemeClr val="tx1"/>
-              </a:solidFill>
-              <a:effectLst/>
-              <a:uLnTx/>
-              <a:uFillTx/>
-              <a:latin typeface="Cambria" pitchFamily="18" charset="0"/>
-              <a:ea typeface="+mj-ea"/>
-              <a:cs typeface="+mj-cs"/>
-            </a:endParaRPr>
-          </a:p>
-        </p:txBody>
-      </p:sp>
-      <p:sp>
-        <p:nvSpPr>
-          <p:cNvPr id="6" name="Title 1"/>
-          <p:cNvSpPr txBox="1">
-            <a:spLocks/>
-          </p:cNvSpPr>
-          <p:nvPr/>
-        </p:nvSpPr>
-        <p:spPr>
-          <a:xfrm>
-            <a:off x="4343400" y="5943600"/>
-            <a:ext cx="2438400" cy="563562"/>
-          </a:xfrm>
-          <a:prstGeom prst="rect">
-            <a:avLst/>
-          </a:prstGeom>
-          <a:ln/>
-        </p:spPr>
-        <p:style>
-          <a:lnRef idx="1">
-            <a:schemeClr val="accent5"/>
-          </a:lnRef>
-          <a:fillRef idx="2">
-            <a:schemeClr val="accent5"/>
-          </a:fillRef>
-          <a:effectRef idx="1">
-            <a:schemeClr val="accent5"/>
-          </a:effectRef>
-          <a:fontRef idx="minor">
-            <a:schemeClr val="dk1"/>
-          </a:fontRef>
-        </p:style>
-        <p:txBody>
-          <a:bodyPr vert="horz" lIns="91440" tIns="45720" rIns="91440" bIns="45720" rtlCol="0" anchor="ctr">
-            <a:normAutofit/>
-          </a:bodyPr>
-          <a:lstStyle/>
-          <a:p>
-            <a:pPr marL="0" marR="0" lvl="0" indent="0" algn="ctr" defTabSz="914400" rtl="0" eaLnBrk="1" fontAlgn="auto" latinLnBrk="0" hangingPunct="1">
-              <a:lnSpc>
-                <a:spcPct val="100000"/>
-              </a:lnSpc>
-              <a:spcBef>
-                <a:spcPct val="0"/>
-              </a:spcBef>
-              <a:spcAft>
-                <a:spcPts val="0"/>
-              </a:spcAft>
-              <a:buClrTx/>
-              <a:buSzTx/>
-              <a:buFontTx/>
-              <a:buNone/>
-              <a:tabLst/>
-              <a:defRPr/>
-            </a:pPr>
-            <a:r>
-              <a:rPr lang="en-IN" sz="2500" dirty="0" smtClean="0">
-                <a:solidFill>
-                  <a:schemeClr val="tx1"/>
-                </a:solidFill>
-                <a:latin typeface="Cambria" pitchFamily="18" charset="0"/>
-                <a:ea typeface="+mj-ea"/>
-                <a:cs typeface="+mj-cs"/>
-              </a:rPr>
-              <a:t>Multi-Catch</a:t>
-            </a:r>
-            <a:endParaRPr kumimoji="0" lang="en-US" sz="2500" b="0" i="0" u="none" strike="noStrike" kern="1200" cap="none" spc="0" normalizeH="0" baseline="0" noProof="0" dirty="0">
-              <a:ln>
-                <a:noFill/>
-              </a:ln>
-              <a:solidFill>
-                <a:schemeClr val="tx1"/>
-              </a:solidFill>
-              <a:effectLst/>
-              <a:uLnTx/>
-              <a:uFillTx/>
-              <a:latin typeface="Cambria" pitchFamily="18" charset="0"/>
-              <a:ea typeface="+mj-ea"/>
-              <a:cs typeface="+mj-cs"/>
-            </a:endParaRPr>
+            <a:r>
+              <a:rPr lang="en-IN" dirty="0" smtClean="0"/>
+              <a:t>Critical Section</a:t>
+            </a:r>
+          </a:p>
+          <a:p>
+            <a:pPr lvl="1"/>
+            <a:r>
+              <a:rPr lang="en-IN" dirty="0" smtClean="0"/>
+              <a:t>A Section of a program that deals with resources that may rise exceptions.</a:t>
+            </a:r>
+          </a:p>
+          <a:p>
+            <a:r>
+              <a:rPr lang="en-IN" dirty="0" smtClean="0"/>
+              <a:t>Try Block</a:t>
+            </a:r>
+          </a:p>
+          <a:p>
+            <a:pPr lvl="1"/>
+            <a:r>
+              <a:rPr lang="en-IN" dirty="0" smtClean="0"/>
+              <a:t>A block that contains critical sections of program.</a:t>
+            </a:r>
+          </a:p>
+          <a:p>
+            <a:r>
+              <a:rPr lang="en-IN" dirty="0" smtClean="0"/>
+              <a:t>Catch Block</a:t>
+            </a:r>
+          </a:p>
+          <a:p>
+            <a:pPr lvl="1"/>
+            <a:r>
+              <a:rPr lang="en-IN" dirty="0" smtClean="0"/>
+              <a:t>A block of code that understands and handles the exceptions.</a:t>
+            </a:r>
+            <a:endParaRPr lang="en-US" dirty="0"/>
           </a:p>
         </p:txBody>
       </p:sp>
@@ -8406,6 +7787,741 @@
       </p:sp>
       <p:sp>
         <p:nvSpPr>
+          <p:cNvPr id="3" name="Content Placeholder 2"/>
+          <p:cNvSpPr>
+            <a:spLocks noGrp="1"/>
+          </p:cNvSpPr>
+          <p:nvPr>
+            <p:ph idx="1"/>
+          </p:nvPr>
+        </p:nvSpPr>
+        <p:spPr>
+          <a:xfrm>
+            <a:off x="457200" y="1600200"/>
+            <a:ext cx="4724400" cy="4525963"/>
+          </a:xfrm>
+        </p:spPr>
+        <p:txBody>
+          <a:bodyPr>
+            <a:normAutofit/>
+          </a:bodyPr>
+          <a:lstStyle/>
+          <a:p>
+            <a:pPr>
+              <a:buNone/>
+            </a:pPr>
+            <a:r>
+              <a:rPr lang="en-IN" sz="2500" dirty="0" smtClean="0">
+                <a:solidFill>
+                  <a:srgbClr val="FF0000"/>
+                </a:solidFill>
+              </a:rPr>
+              <a:t>try</a:t>
+            </a:r>
+            <a:r>
+              <a:rPr lang="en-IN" sz="2500" dirty="0" smtClean="0"/>
+              <a:t>{</a:t>
+            </a:r>
+          </a:p>
+          <a:p>
+            <a:pPr>
+              <a:buNone/>
+            </a:pPr>
+            <a:r>
+              <a:rPr lang="en-IN" sz="2500" dirty="0" smtClean="0"/>
+              <a:t>	//critical section</a:t>
+            </a:r>
+          </a:p>
+          <a:p>
+            <a:pPr>
+              <a:buNone/>
+            </a:pPr>
+            <a:r>
+              <a:rPr lang="en-IN" sz="2500" dirty="0" smtClean="0"/>
+              <a:t>	</a:t>
+            </a:r>
+            <a:r>
+              <a:rPr lang="en-IN" sz="2500" dirty="0" smtClean="0">
+                <a:solidFill>
+                  <a:srgbClr val="FF0000"/>
+                </a:solidFill>
+              </a:rPr>
+              <a:t> throw</a:t>
+            </a:r>
+            <a:r>
+              <a:rPr lang="en-IN" sz="2500" dirty="0" smtClean="0"/>
+              <a:t> new Exception()</a:t>
+            </a:r>
+          </a:p>
+          <a:p>
+            <a:pPr>
+              <a:buNone/>
+            </a:pPr>
+            <a:r>
+              <a:rPr lang="en-IN" sz="2500" dirty="0" smtClean="0"/>
+              <a:t>}</a:t>
+            </a:r>
+          </a:p>
+          <a:p>
+            <a:pPr>
+              <a:buNone/>
+            </a:pPr>
+            <a:r>
+              <a:rPr lang="en-IN" sz="2500" dirty="0" smtClean="0">
+                <a:solidFill>
+                  <a:srgbClr val="FF0000"/>
+                </a:solidFill>
+              </a:rPr>
+              <a:t>catch</a:t>
+            </a:r>
+            <a:r>
+              <a:rPr lang="en-IN" sz="2500" dirty="0" smtClean="0"/>
+              <a:t>(exceptions){</a:t>
+            </a:r>
+          </a:p>
+          <a:p>
+            <a:pPr>
+              <a:buNone/>
+            </a:pPr>
+            <a:r>
+              <a:rPr lang="en-IN" sz="2500" dirty="0" smtClean="0"/>
+              <a:t>//exception handling code</a:t>
+            </a:r>
+          </a:p>
+          <a:p>
+            <a:pPr>
+              <a:buNone/>
+            </a:pPr>
+            <a:r>
+              <a:rPr lang="en-IN" sz="2500" dirty="0" smtClean="0"/>
+              <a:t>}</a:t>
+            </a:r>
+            <a:endParaRPr lang="en-US" sz="2500" dirty="0"/>
+          </a:p>
+        </p:txBody>
+      </p:sp>
+      <p:sp>
+        <p:nvSpPr>
+          <p:cNvPr id="4" name="Content Placeholder 2"/>
+          <p:cNvSpPr txBox="1">
+            <a:spLocks/>
+          </p:cNvSpPr>
+          <p:nvPr/>
+        </p:nvSpPr>
+        <p:spPr>
+          <a:xfrm>
+            <a:off x="4267200" y="1570037"/>
+            <a:ext cx="4724400" cy="4525963"/>
+          </a:xfrm>
+          <a:prstGeom prst="rect">
+            <a:avLst/>
+          </a:prstGeom>
+        </p:spPr>
+        <p:txBody>
+          <a:bodyPr vert="horz" lIns="91440" tIns="45720" rIns="91440" bIns="45720" rtlCol="0">
+            <a:normAutofit lnSpcReduction="10000"/>
+          </a:bodyPr>
+          <a:lstStyle/>
+          <a:p>
+            <a:pPr marL="342900" marR="0" lvl="0" indent="-342900" algn="l" defTabSz="914400" rtl="0" eaLnBrk="1" fontAlgn="auto" latinLnBrk="0" hangingPunct="1">
+              <a:lnSpc>
+                <a:spcPct val="100000"/>
+              </a:lnSpc>
+              <a:spcBef>
+                <a:spcPct val="20000"/>
+              </a:spcBef>
+              <a:spcAft>
+                <a:spcPts val="0"/>
+              </a:spcAft>
+              <a:buClrTx/>
+              <a:buSzTx/>
+              <a:buFont typeface="Arial" pitchFamily="34" charset="0"/>
+              <a:buNone/>
+              <a:tabLst/>
+              <a:defRPr/>
+            </a:pPr>
+            <a:r>
+              <a:rPr kumimoji="0" lang="en-IN" sz="2500" b="0" i="0" u="none" strike="noStrike" kern="1200" cap="none" spc="0" normalizeH="0" baseline="0" noProof="0" dirty="0" smtClean="0">
+                <a:ln>
+                  <a:noFill/>
+                </a:ln>
+                <a:solidFill>
+                  <a:srgbClr val="FF0000"/>
+                </a:solidFill>
+                <a:effectLst/>
+                <a:uLnTx/>
+                <a:uFillTx/>
+                <a:latin typeface="Cambria" pitchFamily="18" charset="0"/>
+                <a:ea typeface="+mn-ea"/>
+                <a:cs typeface="+mn-cs"/>
+              </a:rPr>
+              <a:t>try</a:t>
+            </a:r>
+            <a:r>
+              <a:rPr kumimoji="0" lang="en-IN" sz="2500" b="0" i="0" u="none" strike="noStrike" kern="1200" cap="none" spc="0" normalizeH="0" baseline="0" noProof="0" dirty="0" smtClean="0">
+                <a:ln>
+                  <a:noFill/>
+                </a:ln>
+                <a:solidFill>
+                  <a:schemeClr val="tx1"/>
+                </a:solidFill>
+                <a:effectLst/>
+                <a:uLnTx/>
+                <a:uFillTx/>
+                <a:latin typeface="Cambria" pitchFamily="18" charset="0"/>
+                <a:ea typeface="+mn-ea"/>
+                <a:cs typeface="+mn-cs"/>
+              </a:rPr>
+              <a:t>{</a:t>
+            </a:r>
+          </a:p>
+          <a:p>
+            <a:pPr marL="342900" marR="0" lvl="0" indent="-342900" algn="l" defTabSz="914400" rtl="0" eaLnBrk="1" fontAlgn="auto" latinLnBrk="0" hangingPunct="1">
+              <a:lnSpc>
+                <a:spcPct val="100000"/>
+              </a:lnSpc>
+              <a:spcBef>
+                <a:spcPct val="20000"/>
+              </a:spcBef>
+              <a:spcAft>
+                <a:spcPts val="0"/>
+              </a:spcAft>
+              <a:buClrTx/>
+              <a:buSzTx/>
+              <a:buFont typeface="Arial" pitchFamily="34" charset="0"/>
+              <a:buNone/>
+              <a:tabLst/>
+              <a:defRPr/>
+            </a:pPr>
+            <a:r>
+              <a:rPr kumimoji="0" lang="en-IN" sz="2500" b="0" i="0" u="none" strike="noStrike" kern="1200" cap="none" spc="0" normalizeH="0" baseline="0" noProof="0" dirty="0" smtClean="0">
+                <a:ln>
+                  <a:noFill/>
+                </a:ln>
+                <a:solidFill>
+                  <a:schemeClr val="tx1"/>
+                </a:solidFill>
+                <a:effectLst/>
+                <a:uLnTx/>
+                <a:uFillTx/>
+                <a:latin typeface="Cambria" pitchFamily="18" charset="0"/>
+                <a:ea typeface="+mn-ea"/>
+                <a:cs typeface="+mn-cs"/>
+              </a:rPr>
+              <a:t>	//critical section</a:t>
+            </a:r>
+          </a:p>
+          <a:p>
+            <a:pPr marL="342900" lvl="0" indent="-342900">
+              <a:spcBef>
+                <a:spcPct val="20000"/>
+              </a:spcBef>
+            </a:pPr>
+            <a:r>
+              <a:rPr lang="en-IN" sz="2500" dirty="0" smtClean="0">
+                <a:latin typeface="Cambria" pitchFamily="18" charset="0"/>
+              </a:rPr>
+              <a:t>	</a:t>
+            </a:r>
+            <a:r>
+              <a:rPr lang="en-IN" sz="2500" dirty="0" smtClean="0">
+                <a:solidFill>
+                  <a:srgbClr val="FF0000"/>
+                </a:solidFill>
+                <a:latin typeface="Cambria" pitchFamily="18" charset="0"/>
+              </a:rPr>
+              <a:t> throw</a:t>
+            </a:r>
+            <a:r>
+              <a:rPr lang="en-IN" sz="2500" dirty="0" smtClean="0">
+                <a:latin typeface="Cambria" pitchFamily="18" charset="0"/>
+              </a:rPr>
+              <a:t> new Exception()</a:t>
+            </a:r>
+            <a:endParaRPr kumimoji="0" lang="en-IN" sz="2500" b="0" i="0" u="none" strike="noStrike" kern="1200" cap="none" spc="0" normalizeH="0" baseline="0" noProof="0" dirty="0" smtClean="0">
+              <a:ln>
+                <a:noFill/>
+              </a:ln>
+              <a:solidFill>
+                <a:schemeClr val="tx1"/>
+              </a:solidFill>
+              <a:effectLst/>
+              <a:uLnTx/>
+              <a:uFillTx/>
+              <a:latin typeface="Cambria" pitchFamily="18" charset="0"/>
+              <a:ea typeface="+mn-ea"/>
+              <a:cs typeface="+mn-cs"/>
+            </a:endParaRPr>
+          </a:p>
+          <a:p>
+            <a:pPr marL="342900" marR="0" lvl="0" indent="-342900" algn="l" defTabSz="914400" rtl="0" eaLnBrk="1" fontAlgn="auto" latinLnBrk="0" hangingPunct="1">
+              <a:lnSpc>
+                <a:spcPct val="100000"/>
+              </a:lnSpc>
+              <a:spcBef>
+                <a:spcPct val="20000"/>
+              </a:spcBef>
+              <a:spcAft>
+                <a:spcPts val="0"/>
+              </a:spcAft>
+              <a:buClrTx/>
+              <a:buSzTx/>
+              <a:buFont typeface="Arial" pitchFamily="34" charset="0"/>
+              <a:buNone/>
+              <a:tabLst/>
+              <a:defRPr/>
+            </a:pPr>
+            <a:r>
+              <a:rPr kumimoji="0" lang="en-IN" sz="2500" b="0" i="0" u="none" strike="noStrike" kern="1200" cap="none" spc="0" normalizeH="0" baseline="0" noProof="0" dirty="0" smtClean="0">
+                <a:ln>
+                  <a:noFill/>
+                </a:ln>
+                <a:solidFill>
+                  <a:schemeClr val="tx1"/>
+                </a:solidFill>
+                <a:effectLst/>
+                <a:uLnTx/>
+                <a:uFillTx/>
+                <a:latin typeface="Cambria" pitchFamily="18" charset="0"/>
+                <a:ea typeface="+mn-ea"/>
+                <a:cs typeface="+mn-cs"/>
+              </a:rPr>
+              <a:t>}</a:t>
+            </a:r>
+          </a:p>
+          <a:p>
+            <a:pPr marL="342900" lvl="0" indent="-342900">
+              <a:spcBef>
+                <a:spcPct val="20000"/>
+              </a:spcBef>
+              <a:defRPr/>
+            </a:pPr>
+            <a:r>
+              <a:rPr lang="en-IN" sz="2500" dirty="0" smtClean="0">
+                <a:solidFill>
+                  <a:srgbClr val="FF0000"/>
+                </a:solidFill>
+                <a:latin typeface="Cambria" pitchFamily="18" charset="0"/>
+              </a:rPr>
+              <a:t>catch</a:t>
+            </a:r>
+            <a:r>
+              <a:rPr lang="en-IN" sz="2500" dirty="0" smtClean="0">
+                <a:latin typeface="Cambria" pitchFamily="18" charset="0"/>
+              </a:rPr>
+              <a:t>(exception type 1){</a:t>
+            </a:r>
+          </a:p>
+          <a:p>
+            <a:pPr marL="342900" lvl="0" indent="-342900">
+              <a:spcBef>
+                <a:spcPct val="20000"/>
+              </a:spcBef>
+              <a:defRPr/>
+            </a:pPr>
+            <a:r>
+              <a:rPr lang="en-IN" sz="2500" dirty="0" smtClean="0">
+                <a:latin typeface="Cambria" pitchFamily="18" charset="0"/>
+              </a:rPr>
+              <a:t>//exception handling code</a:t>
+            </a:r>
+          </a:p>
+          <a:p>
+            <a:pPr marL="342900" lvl="0" indent="-342900">
+              <a:spcBef>
+                <a:spcPct val="20000"/>
+              </a:spcBef>
+              <a:defRPr/>
+            </a:pPr>
+            <a:r>
+              <a:rPr lang="en-IN" sz="2500" dirty="0" smtClean="0">
+                <a:latin typeface="Cambria" pitchFamily="18" charset="0"/>
+              </a:rPr>
+              <a:t>}</a:t>
+            </a:r>
+            <a:endParaRPr kumimoji="0" lang="en-IN" sz="2500" b="0" i="0" u="none" strike="noStrike" kern="1200" cap="none" spc="0" normalizeH="0" baseline="0" noProof="0" dirty="0" smtClean="0">
+              <a:ln>
+                <a:noFill/>
+              </a:ln>
+              <a:solidFill>
+                <a:srgbClr val="FF0000"/>
+              </a:solidFill>
+              <a:effectLst/>
+              <a:uLnTx/>
+              <a:uFillTx/>
+              <a:latin typeface="Cambria" pitchFamily="18" charset="0"/>
+              <a:ea typeface="+mn-ea"/>
+              <a:cs typeface="+mn-cs"/>
+            </a:endParaRPr>
+          </a:p>
+          <a:p>
+            <a:pPr marL="342900" lvl="0" indent="-342900">
+              <a:spcBef>
+                <a:spcPct val="20000"/>
+              </a:spcBef>
+            </a:pPr>
+            <a:r>
+              <a:rPr kumimoji="0" lang="en-IN" sz="2500" b="0" i="0" u="none" strike="noStrike" kern="1200" cap="none" spc="0" normalizeH="0" baseline="0" noProof="0" dirty="0" smtClean="0">
+                <a:ln>
+                  <a:noFill/>
+                </a:ln>
+                <a:solidFill>
+                  <a:srgbClr val="FF0000"/>
+                </a:solidFill>
+                <a:effectLst/>
+                <a:uLnTx/>
+                <a:uFillTx/>
+                <a:latin typeface="Cambria" pitchFamily="18" charset="0"/>
+                <a:ea typeface="+mn-ea"/>
+                <a:cs typeface="+mn-cs"/>
+              </a:rPr>
+              <a:t>catch</a:t>
+            </a:r>
+            <a:r>
+              <a:rPr kumimoji="0" lang="en-IN" sz="2500" b="0" i="0" u="none" strike="noStrike" kern="1200" cap="none" spc="0" normalizeH="0" baseline="0" noProof="0" dirty="0" smtClean="0">
+                <a:ln>
+                  <a:noFill/>
+                </a:ln>
+                <a:solidFill>
+                  <a:schemeClr val="tx1"/>
+                </a:solidFill>
+                <a:effectLst/>
+                <a:uLnTx/>
+                <a:uFillTx/>
+                <a:latin typeface="Cambria" pitchFamily="18" charset="0"/>
+                <a:ea typeface="+mn-ea"/>
+                <a:cs typeface="+mn-cs"/>
+              </a:rPr>
+              <a:t>(</a:t>
+            </a:r>
+            <a:r>
+              <a:rPr lang="en-IN" sz="2500" dirty="0" smtClean="0">
+                <a:latin typeface="Cambria" pitchFamily="18" charset="0"/>
+              </a:rPr>
+              <a:t>exception type 2</a:t>
+            </a:r>
+            <a:r>
+              <a:rPr kumimoji="0" lang="en-IN" sz="2500" b="0" i="0" u="none" strike="noStrike" kern="1200" cap="none" spc="0" normalizeH="0" baseline="0" noProof="0" dirty="0" smtClean="0">
+                <a:ln>
+                  <a:noFill/>
+                </a:ln>
+                <a:solidFill>
+                  <a:schemeClr val="tx1"/>
+                </a:solidFill>
+                <a:effectLst/>
+                <a:uLnTx/>
+                <a:uFillTx/>
+                <a:latin typeface="Cambria" pitchFamily="18" charset="0"/>
+                <a:ea typeface="+mn-ea"/>
+                <a:cs typeface="+mn-cs"/>
+              </a:rPr>
+              <a:t>){</a:t>
+            </a:r>
+          </a:p>
+          <a:p>
+            <a:pPr marL="342900" marR="0" lvl="0" indent="-342900" algn="l" defTabSz="914400" rtl="0" eaLnBrk="1" fontAlgn="auto" latinLnBrk="0" hangingPunct="1">
+              <a:lnSpc>
+                <a:spcPct val="100000"/>
+              </a:lnSpc>
+              <a:spcBef>
+                <a:spcPct val="20000"/>
+              </a:spcBef>
+              <a:spcAft>
+                <a:spcPts val="0"/>
+              </a:spcAft>
+              <a:buClrTx/>
+              <a:buSzTx/>
+              <a:buFont typeface="Arial" pitchFamily="34" charset="0"/>
+              <a:buNone/>
+              <a:tabLst/>
+              <a:defRPr/>
+            </a:pPr>
+            <a:r>
+              <a:rPr kumimoji="0" lang="en-IN" sz="2500" b="0" i="0" u="none" strike="noStrike" kern="1200" cap="none" spc="0" normalizeH="0" baseline="0" noProof="0" dirty="0" smtClean="0">
+                <a:ln>
+                  <a:noFill/>
+                </a:ln>
+                <a:solidFill>
+                  <a:schemeClr val="tx1"/>
+                </a:solidFill>
+                <a:effectLst/>
+                <a:uLnTx/>
+                <a:uFillTx/>
+                <a:latin typeface="Cambria" pitchFamily="18" charset="0"/>
+                <a:ea typeface="+mn-ea"/>
+                <a:cs typeface="+mn-cs"/>
+              </a:rPr>
+              <a:t>//exception handling code</a:t>
+            </a:r>
+          </a:p>
+          <a:p>
+            <a:pPr marL="342900" marR="0" lvl="0" indent="-342900" algn="l" defTabSz="914400" rtl="0" eaLnBrk="1" fontAlgn="auto" latinLnBrk="0" hangingPunct="1">
+              <a:lnSpc>
+                <a:spcPct val="100000"/>
+              </a:lnSpc>
+              <a:spcBef>
+                <a:spcPct val="20000"/>
+              </a:spcBef>
+              <a:spcAft>
+                <a:spcPts val="0"/>
+              </a:spcAft>
+              <a:buClrTx/>
+              <a:buSzTx/>
+              <a:buFont typeface="Arial" pitchFamily="34" charset="0"/>
+              <a:buNone/>
+              <a:tabLst/>
+              <a:defRPr/>
+            </a:pPr>
+            <a:r>
+              <a:rPr kumimoji="0" lang="en-IN" sz="2500" b="0" i="0" u="none" strike="noStrike" kern="1200" cap="none" spc="0" normalizeH="0" baseline="0" noProof="0" dirty="0" smtClean="0">
+                <a:ln>
+                  <a:noFill/>
+                </a:ln>
+                <a:solidFill>
+                  <a:schemeClr val="tx1"/>
+                </a:solidFill>
+                <a:effectLst/>
+                <a:uLnTx/>
+                <a:uFillTx/>
+                <a:latin typeface="Cambria" pitchFamily="18" charset="0"/>
+                <a:ea typeface="+mn-ea"/>
+                <a:cs typeface="+mn-cs"/>
+              </a:rPr>
+              <a:t>}</a:t>
+            </a:r>
+            <a:endParaRPr kumimoji="0" lang="en-US" sz="2500" b="0" i="0" u="none" strike="noStrike" kern="1200" cap="none" spc="0" normalizeH="0" baseline="0" noProof="0" dirty="0">
+              <a:ln>
+                <a:noFill/>
+              </a:ln>
+              <a:solidFill>
+                <a:schemeClr val="tx1"/>
+              </a:solidFill>
+              <a:effectLst/>
+              <a:uLnTx/>
+              <a:uFillTx/>
+              <a:latin typeface="Cambria" pitchFamily="18" charset="0"/>
+              <a:ea typeface="+mn-ea"/>
+              <a:cs typeface="+mn-cs"/>
+            </a:endParaRPr>
+          </a:p>
+        </p:txBody>
+      </p:sp>
+      <p:sp>
+        <p:nvSpPr>
+          <p:cNvPr id="5" name="Title 1"/>
+          <p:cNvSpPr txBox="1">
+            <a:spLocks/>
+          </p:cNvSpPr>
+          <p:nvPr/>
+        </p:nvSpPr>
+        <p:spPr>
+          <a:xfrm>
+            <a:off x="457200" y="5257800"/>
+            <a:ext cx="2438400" cy="563562"/>
+          </a:xfrm>
+          <a:prstGeom prst="rect">
+            <a:avLst/>
+          </a:prstGeom>
+          <a:ln/>
+        </p:spPr>
+        <p:style>
+          <a:lnRef idx="1">
+            <a:schemeClr val="accent5"/>
+          </a:lnRef>
+          <a:fillRef idx="2">
+            <a:schemeClr val="accent5"/>
+          </a:fillRef>
+          <a:effectRef idx="1">
+            <a:schemeClr val="accent5"/>
+          </a:effectRef>
+          <a:fontRef idx="minor">
+            <a:schemeClr val="dk1"/>
+          </a:fontRef>
+        </p:style>
+        <p:txBody>
+          <a:bodyPr vert="horz" lIns="91440" tIns="45720" rIns="91440" bIns="45720" rtlCol="0" anchor="ctr">
+            <a:normAutofit fontScale="92500"/>
+          </a:bodyPr>
+          <a:lstStyle/>
+          <a:p>
+            <a:pPr marL="0" marR="0" lvl="0" indent="0" algn="ctr" defTabSz="914400" rtl="0" eaLnBrk="1" fontAlgn="auto" latinLnBrk="0" hangingPunct="1">
+              <a:lnSpc>
+                <a:spcPct val="100000"/>
+              </a:lnSpc>
+              <a:spcBef>
+                <a:spcPct val="0"/>
+              </a:spcBef>
+              <a:spcAft>
+                <a:spcPts val="0"/>
+              </a:spcAft>
+              <a:buClrTx/>
+              <a:buSzTx/>
+              <a:buFontTx/>
+              <a:buNone/>
+              <a:tabLst/>
+              <a:defRPr/>
+            </a:pPr>
+            <a:r>
+              <a:rPr lang="en-IN" sz="2500" dirty="0" smtClean="0">
+                <a:solidFill>
+                  <a:schemeClr val="tx1"/>
+                </a:solidFill>
+                <a:latin typeface="Cambria" pitchFamily="18" charset="0"/>
+                <a:ea typeface="+mj-ea"/>
+                <a:cs typeface="+mj-cs"/>
+              </a:rPr>
+              <a:t>Simple Try Catch</a:t>
+            </a:r>
+            <a:endParaRPr kumimoji="0" lang="en-US" sz="2500" b="0" i="0" u="none" strike="noStrike" kern="1200" cap="none" spc="0" normalizeH="0" baseline="0" noProof="0" dirty="0">
+              <a:ln>
+                <a:noFill/>
+              </a:ln>
+              <a:solidFill>
+                <a:schemeClr val="tx1"/>
+              </a:solidFill>
+              <a:effectLst/>
+              <a:uLnTx/>
+              <a:uFillTx/>
+              <a:latin typeface="Cambria" pitchFamily="18" charset="0"/>
+              <a:ea typeface="+mj-ea"/>
+              <a:cs typeface="+mj-cs"/>
+            </a:endParaRPr>
+          </a:p>
+        </p:txBody>
+      </p:sp>
+      <p:sp>
+        <p:nvSpPr>
+          <p:cNvPr id="6" name="Title 1"/>
+          <p:cNvSpPr txBox="1">
+            <a:spLocks/>
+          </p:cNvSpPr>
+          <p:nvPr/>
+        </p:nvSpPr>
+        <p:spPr>
+          <a:xfrm>
+            <a:off x="4343400" y="5943600"/>
+            <a:ext cx="2438400" cy="563562"/>
+          </a:xfrm>
+          <a:prstGeom prst="rect">
+            <a:avLst/>
+          </a:prstGeom>
+          <a:ln/>
+        </p:spPr>
+        <p:style>
+          <a:lnRef idx="1">
+            <a:schemeClr val="accent5"/>
+          </a:lnRef>
+          <a:fillRef idx="2">
+            <a:schemeClr val="accent5"/>
+          </a:fillRef>
+          <a:effectRef idx="1">
+            <a:schemeClr val="accent5"/>
+          </a:effectRef>
+          <a:fontRef idx="minor">
+            <a:schemeClr val="dk1"/>
+          </a:fontRef>
+        </p:style>
+        <p:txBody>
+          <a:bodyPr vert="horz" lIns="91440" tIns="45720" rIns="91440" bIns="45720" rtlCol="0" anchor="ctr">
+            <a:normAutofit/>
+          </a:bodyPr>
+          <a:lstStyle/>
+          <a:p>
+            <a:pPr marL="0" marR="0" lvl="0" indent="0" algn="ctr" defTabSz="914400" rtl="0" eaLnBrk="1" fontAlgn="auto" latinLnBrk="0" hangingPunct="1">
+              <a:lnSpc>
+                <a:spcPct val="100000"/>
+              </a:lnSpc>
+              <a:spcBef>
+                <a:spcPct val="0"/>
+              </a:spcBef>
+              <a:spcAft>
+                <a:spcPts val="0"/>
+              </a:spcAft>
+              <a:buClrTx/>
+              <a:buSzTx/>
+              <a:buFontTx/>
+              <a:buNone/>
+              <a:tabLst/>
+              <a:defRPr/>
+            </a:pPr>
+            <a:r>
+              <a:rPr lang="en-IN" sz="2500" dirty="0" smtClean="0">
+                <a:solidFill>
+                  <a:schemeClr val="tx1"/>
+                </a:solidFill>
+                <a:latin typeface="Cambria" pitchFamily="18" charset="0"/>
+                <a:ea typeface="+mj-ea"/>
+                <a:cs typeface="+mj-cs"/>
+              </a:rPr>
+              <a:t>Multi-Catch</a:t>
+            </a:r>
+            <a:endParaRPr kumimoji="0" lang="en-US" sz="2500" b="0" i="0" u="none" strike="noStrike" kern="1200" cap="none" spc="0" normalizeH="0" baseline="0" noProof="0" dirty="0">
+              <a:ln>
+                <a:noFill/>
+              </a:ln>
+              <a:solidFill>
+                <a:schemeClr val="tx1"/>
+              </a:solidFill>
+              <a:effectLst/>
+              <a:uLnTx/>
+              <a:uFillTx/>
+              <a:latin typeface="Cambria" pitchFamily="18" charset="0"/>
+              <a:ea typeface="+mj-ea"/>
+              <a:cs typeface="+mj-cs"/>
+            </a:endParaRPr>
+          </a:p>
+        </p:txBody>
+      </p:sp>
+    </p:spTree>
+  </p:cSld>
+  <p:clrMapOvr>
+    <a:masterClrMapping/>
+  </p:clrMapOvr>
+</p:sld>
+</file>
+
+<file path=ppt/slides/slide13.xml><?xml version="1.0" encoding="utf-8"?>
+<p:sld xmlns:a="http://schemas.openxmlformats.org/drawingml/2006/main" xmlns:r="http://schemas.openxmlformats.org/officeDocument/2006/relationships" xmlns:p="http://schemas.openxmlformats.org/presentationml/2006/main">
+  <p:cSld>
+    <p:spTree>
+      <p:nvGrpSpPr>
+        <p:cNvPr id="1" name=""/>
+        <p:cNvGrpSpPr/>
+        <p:nvPr/>
+      </p:nvGrpSpPr>
+      <p:grpSpPr>
+        <a:xfrm>
+          <a:off x="0" y="0"/>
+          <a:ext cx="0" cy="0"/>
+          <a:chOff x="0" y="0"/>
+          <a:chExt cx="0" cy="0"/>
+        </a:xfrm>
+      </p:grpSpPr>
+      <p:sp>
+        <p:nvSpPr>
+          <p:cNvPr id="2" name="Title 1"/>
+          <p:cNvSpPr>
+            <a:spLocks noGrp="1"/>
+          </p:cNvSpPr>
+          <p:nvPr>
+            <p:ph type="title"/>
+          </p:nvPr>
+        </p:nvSpPr>
+        <p:spPr/>
+        <p:txBody>
+          <a:bodyPr/>
+          <a:lstStyle/>
+          <a:p>
+            <a:r>
+              <a:rPr lang="en-IN" dirty="0" smtClean="0"/>
+              <a:t>Syntax</a:t>
+            </a:r>
+            <a:endParaRPr lang="en-US" dirty="0"/>
+          </a:p>
+        </p:txBody>
+      </p:sp>
+      <p:sp>
+        <p:nvSpPr>
           <p:cNvPr id="4" name="Content Placeholder 2"/>
           <p:cNvSpPr txBox="1">
             <a:spLocks/>
@@ -9626,7 +9742,7 @@
 </p:sld>
 </file>
 
-<file path=ppt/slides/slide13.xml><?xml version="1.0" encoding="utf-8"?>
+<file path=ppt/slides/slide14.xml><?xml version="1.0" encoding="utf-8"?>
 <p:sld xmlns:a="http://schemas.openxmlformats.org/drawingml/2006/main" xmlns:r="http://schemas.openxmlformats.org/officeDocument/2006/relationships" xmlns:p="http://schemas.openxmlformats.org/presentationml/2006/main">
   <p:cSld>
     <p:spTree>
@@ -9952,7 +10068,7 @@
 </p:sld>
 </file>
 
-<file path=ppt/slides/slide14.xml><?xml version="1.0" encoding="utf-8"?>
+<file path=ppt/slides/slide15.xml><?xml version="1.0" encoding="utf-8"?>
 <p:sld xmlns:a="http://schemas.openxmlformats.org/drawingml/2006/main" xmlns:r="http://schemas.openxmlformats.org/officeDocument/2006/relationships" xmlns:p="http://schemas.openxmlformats.org/presentationml/2006/main">
   <p:cSld>
     <p:spTree>
@@ -10185,7 +10301,7 @@
 </p:sld>
 </file>
 
-<file path=ppt/slides/slide15.xml><?xml version="1.0" encoding="utf-8"?>
+<file path=ppt/slides/slide16.xml><?xml version="1.0" encoding="utf-8"?>
 <p:sld xmlns:a="http://schemas.openxmlformats.org/drawingml/2006/main" xmlns:r="http://schemas.openxmlformats.org/officeDocument/2006/relationships" xmlns:p="http://schemas.openxmlformats.org/presentationml/2006/main">
   <p:cSld>
     <p:spTree>
@@ -10506,7 +10622,7 @@
 </p:sld>
 </file>
 
-<file path=ppt/slides/slide16.xml><?xml version="1.0" encoding="utf-8"?>
+<file path=ppt/slides/slide17.xml><?xml version="1.0" encoding="utf-8"?>
 <p:sld xmlns:a="http://schemas.openxmlformats.org/drawingml/2006/main" xmlns:r="http://schemas.openxmlformats.org/officeDocument/2006/relationships" xmlns:p="http://schemas.openxmlformats.org/presentationml/2006/main">
   <p:cSld>
     <p:spTree>
@@ -11310,7 +11426,7 @@
 </p:sld>
 </file>
 
-<file path=ppt/slides/slide17.xml><?xml version="1.0" encoding="utf-8"?>
+<file path=ppt/slides/slide18.xml><?xml version="1.0" encoding="utf-8"?>
 <p:sld xmlns:a="http://schemas.openxmlformats.org/drawingml/2006/main" xmlns:r="http://schemas.openxmlformats.org/officeDocument/2006/relationships" xmlns:p="http://schemas.openxmlformats.org/presentationml/2006/main">
   <p:cSld>
     <p:spTree>
@@ -12114,7 +12230,7 @@
 </p:sld>
 </file>
 
-<file path=ppt/slides/slide18.xml><?xml version="1.0" encoding="utf-8"?>
+<file path=ppt/slides/slide19.xml><?xml version="1.0" encoding="utf-8"?>
 <p:sld xmlns:a="http://schemas.openxmlformats.org/drawingml/2006/main" xmlns:r="http://schemas.openxmlformats.org/officeDocument/2006/relationships" xmlns:p="http://schemas.openxmlformats.org/presentationml/2006/main">
   <p:cSld>
     <p:spTree>
@@ -12918,7 +13034,103 @@
 </p:sld>
 </file>
 
-<file path=ppt/slides/slide19.xml><?xml version="1.0" encoding="utf-8"?>
+<file path=ppt/slides/slide2.xml><?xml version="1.0" encoding="utf-8"?>
+<p:sld xmlns:a="http://schemas.openxmlformats.org/drawingml/2006/main" xmlns:r="http://schemas.openxmlformats.org/officeDocument/2006/relationships" xmlns:p="http://schemas.openxmlformats.org/presentationml/2006/main">
+  <p:cSld>
+    <p:spTree>
+      <p:nvGrpSpPr>
+        <p:cNvPr id="1" name=""/>
+        <p:cNvGrpSpPr/>
+        <p:nvPr/>
+      </p:nvGrpSpPr>
+      <p:grpSpPr>
+        <a:xfrm>
+          <a:off x="0" y="0"/>
+          <a:ext cx="0" cy="0"/>
+          <a:chOff x="0" y="0"/>
+          <a:chExt cx="0" cy="0"/>
+        </a:xfrm>
+      </p:grpSpPr>
+      <p:sp>
+        <p:nvSpPr>
+          <p:cNvPr id="2" name="Title 1"/>
+          <p:cNvSpPr>
+            <a:spLocks noGrp="1"/>
+          </p:cNvSpPr>
+          <p:nvPr>
+            <p:ph type="title"/>
+          </p:nvPr>
+        </p:nvSpPr>
+        <p:spPr/>
+        <p:txBody>
+          <a:bodyPr>
+            <a:normAutofit/>
+          </a:bodyPr>
+          <a:lstStyle/>
+          <a:p>
+            <a:r>
+              <a:rPr lang="en-US" dirty="0" smtClean="0"/>
+              <a:t>Exception</a:t>
+            </a:r>
+            <a:endParaRPr lang="en-US" dirty="0"/>
+          </a:p>
+        </p:txBody>
+      </p:sp>
+      <p:sp>
+        <p:nvSpPr>
+          <p:cNvPr id="3" name="Content Placeholder 2"/>
+          <p:cNvSpPr>
+            <a:spLocks noGrp="1"/>
+          </p:cNvSpPr>
+          <p:nvPr>
+            <p:ph idx="1"/>
+          </p:nvPr>
+        </p:nvSpPr>
+        <p:spPr/>
+        <p:txBody>
+          <a:bodyPr>
+            <a:normAutofit/>
+          </a:bodyPr>
+          <a:lstStyle/>
+          <a:p>
+            <a:pPr algn="just"/>
+            <a:r>
+              <a:rPr lang="en-US" dirty="0" smtClean="0"/>
+              <a:t>In Java, an exception is an event that disrupts the normal flow of the program.</a:t>
+            </a:r>
+          </a:p>
+          <a:p>
+            <a:pPr algn="just"/>
+            <a:r>
+              <a:rPr lang="en-IN" dirty="0" smtClean="0"/>
+              <a:t>It throws an exception object at runtime.</a:t>
+            </a:r>
+          </a:p>
+          <a:p>
+            <a:pPr algn="just"/>
+            <a:r>
+              <a:rPr lang="en-IN" dirty="0" smtClean="0"/>
+              <a:t>We have to handle the exceptions to make the system in safe sate.</a:t>
+            </a:r>
+          </a:p>
+        </p:txBody>
+      </p:sp>
+    </p:spTree>
+  </p:cSld>
+  <p:clrMapOvr>
+    <a:masterClrMapping/>
+  </p:clrMapOvr>
+  <p:timing>
+    <p:tnLst>
+      <p:par>
+        <p:cTn id="1" dur="indefinite" restart="never" nodeType="tmRoot"/>
+      </p:par>
+    </p:tnLst>
+  </p:timing>
+</p:sld>
+</file>
+
+<file path=ppt/slides/slide20.xml><?xml version="1.0" encoding="utf-8"?>
 <p:sld xmlns:a="http://schemas.openxmlformats.org/drawingml/2006/main" xmlns:r="http://schemas.openxmlformats.org/officeDocument/2006/relationships" xmlns:p="http://schemas.openxmlformats.org/presentationml/2006/main">
   <p:cSld>
     <p:spTree>
@@ -13598,103 +13810,7 @@
 </p:sld>
 </file>
 
-<file path=ppt/slides/slide2.xml><?xml version="1.0" encoding="utf-8"?>
-<p:sld xmlns:a="http://schemas.openxmlformats.org/drawingml/2006/main" xmlns:r="http://schemas.openxmlformats.org/officeDocument/2006/relationships" xmlns:p="http://schemas.openxmlformats.org/presentationml/2006/main">
-  <p:cSld>
-    <p:spTree>
-      <p:nvGrpSpPr>
-        <p:cNvPr id="1" name=""/>
-        <p:cNvGrpSpPr/>
-        <p:nvPr/>
-      </p:nvGrpSpPr>
-      <p:grpSpPr>
-        <a:xfrm>
-          <a:off x="0" y="0"/>
-          <a:ext cx="0" cy="0"/>
-          <a:chOff x="0" y="0"/>
-          <a:chExt cx="0" cy="0"/>
-        </a:xfrm>
-      </p:grpSpPr>
-      <p:sp>
-        <p:nvSpPr>
-          <p:cNvPr id="2" name="Title 1"/>
-          <p:cNvSpPr>
-            <a:spLocks noGrp="1"/>
-          </p:cNvSpPr>
-          <p:nvPr>
-            <p:ph type="title"/>
-          </p:nvPr>
-        </p:nvSpPr>
-        <p:spPr/>
-        <p:txBody>
-          <a:bodyPr>
-            <a:normAutofit/>
-          </a:bodyPr>
-          <a:lstStyle/>
-          <a:p>
-            <a:r>
-              <a:rPr lang="en-US" dirty="0" smtClean="0"/>
-              <a:t>Exception</a:t>
-            </a:r>
-            <a:endParaRPr lang="en-US" dirty="0"/>
-          </a:p>
-        </p:txBody>
-      </p:sp>
-      <p:sp>
-        <p:nvSpPr>
-          <p:cNvPr id="3" name="Content Placeholder 2"/>
-          <p:cNvSpPr>
-            <a:spLocks noGrp="1"/>
-          </p:cNvSpPr>
-          <p:nvPr>
-            <p:ph idx="1"/>
-          </p:nvPr>
-        </p:nvSpPr>
-        <p:spPr/>
-        <p:txBody>
-          <a:bodyPr>
-            <a:normAutofit/>
-          </a:bodyPr>
-          <a:lstStyle/>
-          <a:p>
-            <a:pPr algn="just"/>
-            <a:r>
-              <a:rPr lang="en-US" dirty="0" smtClean="0"/>
-              <a:t>In Java, an exception is an event that disrupts the normal flow of the program.</a:t>
-            </a:r>
-          </a:p>
-          <a:p>
-            <a:pPr algn="just"/>
-            <a:r>
-              <a:rPr lang="en-IN" dirty="0" smtClean="0"/>
-              <a:t>It throws an exception object at runtime.</a:t>
-            </a:r>
-          </a:p>
-          <a:p>
-            <a:pPr algn="just"/>
-            <a:r>
-              <a:rPr lang="en-IN" dirty="0" smtClean="0"/>
-              <a:t>We have to handle the exceptions to make the system in safe sate.</a:t>
-            </a:r>
-          </a:p>
-        </p:txBody>
-      </p:sp>
-    </p:spTree>
-  </p:cSld>
-  <p:clrMapOvr>
-    <a:masterClrMapping/>
-  </p:clrMapOvr>
-  <p:timing>
-    <p:tnLst>
-      <p:par>
-        <p:cTn id="1" dur="indefinite" restart="never" nodeType="tmRoot"/>
-      </p:par>
-    </p:tnLst>
-  </p:timing>
-</p:sld>
-</file>
-
-<file path=ppt/slides/slide20.xml><?xml version="1.0" encoding="utf-8"?>
+<file path=ppt/slides/slide21.xml><?xml version="1.0" encoding="utf-8"?>
 <p:sld xmlns:a="http://schemas.openxmlformats.org/drawingml/2006/main" xmlns:r="http://schemas.openxmlformats.org/officeDocument/2006/relationships" xmlns:p="http://schemas.openxmlformats.org/presentationml/2006/main">
   <p:cSld>
     <p:spTree>
@@ -14250,7 +14366,7 @@
 </p:sld>
 </file>
 
-<file path=ppt/slides/slide21.xml><?xml version="1.0" encoding="utf-8"?>
+<file path=ppt/slides/slide22.xml><?xml version="1.0" encoding="utf-8"?>
 <p:sld xmlns:a="http://schemas.openxmlformats.org/drawingml/2006/main" xmlns:r="http://schemas.openxmlformats.org/officeDocument/2006/relationships" xmlns:p="http://schemas.openxmlformats.org/presentationml/2006/main">
   <p:cSld>
     <p:spTree>
@@ -14395,7 +14511,7 @@
 </p:sld>
 </file>
 
-<file path=ppt/slides/slide22.xml><?xml version="1.0" encoding="utf-8"?>
+<file path=ppt/slides/slide23.xml><?xml version="1.0" encoding="utf-8"?>
 <p:sld xmlns:a="http://schemas.openxmlformats.org/drawingml/2006/main" xmlns:r="http://schemas.openxmlformats.org/officeDocument/2006/relationships" xmlns:p="http://schemas.openxmlformats.org/presentationml/2006/main">
   <p:cSld>
     <p:spTree>
@@ -14507,7 +14623,7 @@
 </p:sld>
 </file>
 
-<file path=ppt/slides/slide23.xml><?xml version="1.0" encoding="utf-8"?>
+<file path=ppt/slides/slide24.xml><?xml version="1.0" encoding="utf-8"?>
 <p:sld xmlns:a="http://schemas.openxmlformats.org/drawingml/2006/main" xmlns:r="http://schemas.openxmlformats.org/officeDocument/2006/relationships" xmlns:p="http://schemas.openxmlformats.org/presentationml/2006/main">
   <p:cSld>
     <p:spTree>
@@ -14621,7 +14737,7 @@
 </p:sld>
 </file>
 
-<file path=ppt/slides/slide24.xml><?xml version="1.0" encoding="utf-8"?>
+<file path=ppt/slides/slide25.xml><?xml version="1.0" encoding="utf-8"?>
 <p:sld xmlns:a="http://schemas.openxmlformats.org/drawingml/2006/main" xmlns:r="http://schemas.openxmlformats.org/officeDocument/2006/relationships" xmlns:p="http://schemas.openxmlformats.org/presentationml/2006/main">
   <p:cSld>
     <p:spTree>
@@ -14735,7 +14851,7 @@
 </p:sld>
 </file>
 
-<file path=ppt/slides/slide25.xml><?xml version="1.0" encoding="utf-8"?>
+<file path=ppt/slides/slide26.xml><?xml version="1.0" encoding="utf-8"?>
 <p:sld xmlns:a="http://schemas.openxmlformats.org/drawingml/2006/main" xmlns:r="http://schemas.openxmlformats.org/officeDocument/2006/relationships" xmlns:p="http://schemas.openxmlformats.org/presentationml/2006/main">
   <p:cSld>
     <p:spTree>
@@ -14829,7 +14945,7 @@
 </p:sld>
 </file>
 
-<file path=ppt/slides/slide26.xml><?xml version="1.0" encoding="utf-8"?>
+<file path=ppt/slides/slide27.xml><?xml version="1.0" encoding="utf-8"?>
 <p:sld xmlns:a="http://schemas.openxmlformats.org/drawingml/2006/main" xmlns:r="http://schemas.openxmlformats.org/officeDocument/2006/relationships" xmlns:p="http://schemas.openxmlformats.org/presentationml/2006/main">
   <p:cSld>
     <p:spTree>
@@ -14910,7 +15026,7 @@
 </p:sld>
 </file>
 
-<file path=ppt/slides/slide27.xml><?xml version="1.0" encoding="utf-8"?>
+<file path=ppt/slides/slide28.xml><?xml version="1.0" encoding="utf-8"?>
 <p:sld xmlns:a="http://schemas.openxmlformats.org/drawingml/2006/main" xmlns:r="http://schemas.openxmlformats.org/officeDocument/2006/relationships" xmlns:p="http://schemas.openxmlformats.org/presentationml/2006/main">
   <p:cSld>
     <p:spTree>
@@ -15024,7 +15140,7 @@
 </p:sld>
 </file>
 
-<file path=ppt/slides/slide28.xml><?xml version="1.0" encoding="utf-8"?>
+<file path=ppt/slides/slide29.xml><?xml version="1.0" encoding="utf-8"?>
 <p:sld xmlns:a="http://schemas.openxmlformats.org/drawingml/2006/main" xmlns:r="http://schemas.openxmlformats.org/officeDocument/2006/relationships" xmlns:p="http://schemas.openxmlformats.org/presentationml/2006/main">
   <p:cSld>
     <p:spTree>
@@ -15412,105 +15528,6 @@
 </p:sld>
 </file>
 
-<file path=ppt/slides/slide29.xml><?xml version="1.0" encoding="utf-8"?>
-<p:sld xmlns:a="http://schemas.openxmlformats.org/drawingml/2006/main" xmlns:r="http://schemas.openxmlformats.org/officeDocument/2006/relationships" xmlns:p="http://schemas.openxmlformats.org/presentationml/2006/main">
-  <p:cSld>
-    <p:spTree>
-      <p:nvGrpSpPr>
-        <p:cNvPr id="1" name=""/>
-        <p:cNvGrpSpPr/>
-        <p:nvPr/>
-      </p:nvGrpSpPr>
-      <p:grpSpPr>
-        <a:xfrm>
-          <a:off x="0" y="0"/>
-          <a:ext cx="0" cy="0"/>
-          <a:chOff x="0" y="0"/>
-          <a:chExt cx="0" cy="0"/>
-        </a:xfrm>
-      </p:grpSpPr>
-      <p:sp>
-        <p:nvSpPr>
-          <p:cNvPr id="2" name="Title 1"/>
-          <p:cNvSpPr>
-            <a:spLocks noGrp="1"/>
-          </p:cNvSpPr>
-          <p:nvPr>
-            <p:ph type="title"/>
-          </p:nvPr>
-        </p:nvSpPr>
-        <p:spPr/>
-        <p:txBody>
-          <a:bodyPr/>
-          <a:lstStyle/>
-          <a:p>
-            <a:r>
-              <a:rPr lang="en-IN" dirty="0" smtClean="0"/>
-              <a:t>User Defined Exception</a:t>
-            </a:r>
-            <a:endParaRPr lang="en-US" dirty="0"/>
-          </a:p>
-        </p:txBody>
-      </p:sp>
-      <p:sp>
-        <p:nvSpPr>
-          <p:cNvPr id="3" name="Content Placeholder 2"/>
-          <p:cNvSpPr>
-            <a:spLocks noGrp="1"/>
-          </p:cNvSpPr>
-          <p:nvPr>
-            <p:ph idx="1"/>
-          </p:nvPr>
-        </p:nvSpPr>
-        <p:spPr/>
-        <p:txBody>
-          <a:bodyPr/>
-          <a:lstStyle/>
-          <a:p>
-            <a:r>
-              <a:rPr lang="en-IN" dirty="0" smtClean="0"/>
-              <a:t>User can create custom exception classes</a:t>
-            </a:r>
-          </a:p>
-          <a:p>
-            <a:pPr lvl="1"/>
-            <a:r>
-              <a:rPr lang="en-IN" dirty="0" smtClean="0"/>
-              <a:t>User defined class must extend from any one of exception classes.</a:t>
-            </a:r>
-          </a:p>
-          <a:p>
-            <a:pPr lvl="1"/>
-            <a:r>
-              <a:rPr lang="en-IN" dirty="0" smtClean="0"/>
-              <a:t>Constructor to be configured for getting message.</a:t>
-            </a:r>
-            <a:endParaRPr lang="en-US" dirty="0" smtClean="0"/>
-          </a:p>
-          <a:p>
-            <a:pPr lvl="1"/>
-            <a:r>
-              <a:rPr lang="en-IN" dirty="0" smtClean="0"/>
-              <a:t>User explicitly throws exception from try block.</a:t>
-            </a:r>
-          </a:p>
-          <a:p>
-            <a:pPr lvl="1"/>
-            <a:r>
-              <a:rPr lang="en-IN" dirty="0" smtClean="0"/>
-              <a:t>Catch block must handled user defined exception.</a:t>
-            </a:r>
-          </a:p>
-        </p:txBody>
-      </p:sp>
-    </p:spTree>
-  </p:cSld>
-  <p:clrMapOvr>
-    <a:masterClrMapping/>
-  </p:clrMapOvr>
-</p:sld>
-</file>
-
 <file path=ppt/slides/slide3.xml><?xml version="1.0" encoding="utf-8"?>
 <p:sld xmlns:a="http://schemas.openxmlformats.org/drawingml/2006/main" xmlns:r="http://schemas.openxmlformats.org/officeDocument/2006/relationships" xmlns:p="http://schemas.openxmlformats.org/presentationml/2006/main">
   <p:cSld>
@@ -16112,7 +16129,11 @@
             <a:pPr algn="ctr"/>
             <a:r>
               <a:rPr lang="en-IN" dirty="0" smtClean="0"/>
-              <a:t>Is possible to continue with changes ?</a:t>
+              <a:t>Is possible to continue with </a:t>
+            </a:r>
+            <a:r>
+              <a:rPr lang="en-IN" dirty="0" smtClean="0"/>
+              <a:t>changes?</a:t>
             </a:r>
             <a:endParaRPr lang="en-US" dirty="0"/>
           </a:p>
@@ -16779,6 +16800,105 @@
           <a:chExt cx="0" cy="0"/>
         </a:xfrm>
       </p:grpSpPr>
+      <p:sp>
+        <p:nvSpPr>
+          <p:cNvPr id="2" name="Title 1"/>
+          <p:cNvSpPr>
+            <a:spLocks noGrp="1"/>
+          </p:cNvSpPr>
+          <p:nvPr>
+            <p:ph type="title"/>
+          </p:nvPr>
+        </p:nvSpPr>
+        <p:spPr/>
+        <p:txBody>
+          <a:bodyPr/>
+          <a:lstStyle/>
+          <a:p>
+            <a:r>
+              <a:rPr lang="en-IN" dirty="0" smtClean="0"/>
+              <a:t>User Defined Exception</a:t>
+            </a:r>
+            <a:endParaRPr lang="en-US" dirty="0"/>
+          </a:p>
+        </p:txBody>
+      </p:sp>
+      <p:sp>
+        <p:nvSpPr>
+          <p:cNvPr id="3" name="Content Placeholder 2"/>
+          <p:cNvSpPr>
+            <a:spLocks noGrp="1"/>
+          </p:cNvSpPr>
+          <p:nvPr>
+            <p:ph idx="1"/>
+          </p:nvPr>
+        </p:nvSpPr>
+        <p:spPr/>
+        <p:txBody>
+          <a:bodyPr/>
+          <a:lstStyle/>
+          <a:p>
+            <a:r>
+              <a:rPr lang="en-IN" dirty="0" smtClean="0"/>
+              <a:t>User can create custom exception classes</a:t>
+            </a:r>
+          </a:p>
+          <a:p>
+            <a:pPr lvl="1"/>
+            <a:r>
+              <a:rPr lang="en-IN" dirty="0" smtClean="0"/>
+              <a:t>User defined class must extend from any one of exception classes.</a:t>
+            </a:r>
+          </a:p>
+          <a:p>
+            <a:pPr lvl="1"/>
+            <a:r>
+              <a:rPr lang="en-IN" dirty="0" smtClean="0"/>
+              <a:t>Constructor to be configured for getting message.</a:t>
+            </a:r>
+            <a:endParaRPr lang="en-US" dirty="0" smtClean="0"/>
+          </a:p>
+          <a:p>
+            <a:pPr lvl="1"/>
+            <a:r>
+              <a:rPr lang="en-IN" dirty="0" smtClean="0"/>
+              <a:t>User explicitly throws exception from try block.</a:t>
+            </a:r>
+          </a:p>
+          <a:p>
+            <a:pPr lvl="1"/>
+            <a:r>
+              <a:rPr lang="en-IN" dirty="0" smtClean="0"/>
+              <a:t>Catch block must handled user defined exception.</a:t>
+            </a:r>
+          </a:p>
+        </p:txBody>
+      </p:sp>
+    </p:spTree>
+  </p:cSld>
+  <p:clrMapOvr>
+    <a:masterClrMapping/>
+  </p:clrMapOvr>
+</p:sld>
+</file>
+
+<file path=ppt/slides/slide31.xml><?xml version="1.0" encoding="utf-8"?>
+<p:sld xmlns:a="http://schemas.openxmlformats.org/drawingml/2006/main" xmlns:r="http://schemas.openxmlformats.org/officeDocument/2006/relationships" xmlns:p="http://schemas.openxmlformats.org/presentationml/2006/main">
+  <p:cSld>
+    <p:spTree>
+      <p:nvGrpSpPr>
+        <p:cNvPr id="1" name=""/>
+        <p:cNvGrpSpPr/>
+        <p:nvPr/>
+      </p:nvGrpSpPr>
+      <p:grpSpPr>
+        <a:xfrm>
+          <a:off x="0" y="0"/>
+          <a:ext cx="0" cy="0"/>
+          <a:chOff x="0" y="0"/>
+          <a:chExt cx="0" cy="0"/>
+        </a:xfrm>
+      </p:grpSpPr>
       <p:pic>
         <p:nvPicPr>
           <p:cNvPr id="4098" name="Picture 2"/>
@@ -17292,7 +17412,7 @@
 </p:sld>
 </file>
 
-<file path=ppt/slides/slide31.xml><?xml version="1.0" encoding="utf-8"?>
+<file path=ppt/slides/slide32.xml><?xml version="1.0" encoding="utf-8"?>
 <p:sld xmlns:a="http://schemas.openxmlformats.org/drawingml/2006/main" xmlns:r="http://schemas.openxmlformats.org/officeDocument/2006/relationships" xmlns:p="http://schemas.openxmlformats.org/presentationml/2006/main">
   <p:cSld>
     <p:spTree>
@@ -17373,7 +17493,7 @@
 </p:sld>
 </file>
 
-<file path=ppt/slides/slide32.xml><?xml version="1.0" encoding="utf-8"?>
+<file path=ppt/slides/slide33.xml><?xml version="1.0" encoding="utf-8"?>
 <p:sld xmlns:a="http://schemas.openxmlformats.org/drawingml/2006/main" xmlns:r="http://schemas.openxmlformats.org/officeDocument/2006/relationships" xmlns:p="http://schemas.openxmlformats.org/presentationml/2006/main">
   <p:cSld>
     <p:spTree>
@@ -17510,7 +17630,7 @@
 </p:sld>
 </file>
 
-<file path=ppt/slides/slide33.xml><?xml version="1.0" encoding="utf-8"?>
+<file path=ppt/slides/slide34.xml><?xml version="1.0" encoding="utf-8"?>
 <p:sld xmlns:a="http://schemas.openxmlformats.org/drawingml/2006/main" xmlns:r="http://schemas.openxmlformats.org/officeDocument/2006/relationships" xmlns:p="http://schemas.openxmlformats.org/presentationml/2006/main">
   <p:cSld>
     <p:spTree>
@@ -18209,7 +18329,7 @@
 </p:sld>
 </file>
 
-<file path=ppt/slides/slide34.xml><?xml version="1.0" encoding="utf-8"?>
+<file path=ppt/slides/slide35.xml><?xml version="1.0" encoding="utf-8"?>
 <p:sld xmlns:a="http://schemas.openxmlformats.org/drawingml/2006/main" xmlns:r="http://schemas.openxmlformats.org/officeDocument/2006/relationships" xmlns:p="http://schemas.openxmlformats.org/presentationml/2006/main">
   <p:cSld>
     <p:spTree>
@@ -18444,7 +18564,7 @@
 </p:sld>
 </file>
 
-<file path=ppt/slides/slide35.xml><?xml version="1.0" encoding="utf-8"?>
+<file path=ppt/slides/slide36.xml><?xml version="1.0" encoding="utf-8"?>
 <p:sld xmlns:a="http://schemas.openxmlformats.org/drawingml/2006/main" xmlns:r="http://schemas.openxmlformats.org/officeDocument/2006/relationships" xmlns:p="http://schemas.openxmlformats.org/presentationml/2006/main">
   <p:cSld>
     <p:spTree>
@@ -18525,7 +18645,7 @@
 </p:sld>
 </file>
 
-<file path=ppt/slides/slide36.xml><?xml version="1.0" encoding="utf-8"?>
+<file path=ppt/slides/slide37.xml><?xml version="1.0" encoding="utf-8"?>
 <p:sld xmlns:a="http://schemas.openxmlformats.org/drawingml/2006/main" xmlns:r="http://schemas.openxmlformats.org/officeDocument/2006/relationships" xmlns:p="http://schemas.openxmlformats.org/presentationml/2006/main">
   <p:cSld>
     <p:spTree>
@@ -18606,7 +18726,7 @@
 </p:sld>
 </file>
 
-<file path=ppt/slides/slide37.xml><?xml version="1.0" encoding="utf-8"?>
+<file path=ppt/slides/slide38.xml><?xml version="1.0" encoding="utf-8"?>
 <p:sld xmlns:a="http://schemas.openxmlformats.org/drawingml/2006/main" xmlns:r="http://schemas.openxmlformats.org/officeDocument/2006/relationships" xmlns:p="http://schemas.openxmlformats.org/presentationml/2006/main">
   <p:cSld>
     <p:spTree>
@@ -19224,28 +19344,42 @@
             <a:pPr lvl="1"/>
             <a:r>
               <a:rPr lang="en-IN" dirty="0" smtClean="0"/>
-              <a:t>The programmer must handle before the compilation of the program.</a:t>
+              <a:t>The programmer must handle before the compilation of the program</a:t>
+            </a:r>
+            <a:r>
+              <a:rPr lang="en-IN" dirty="0" smtClean="0"/>
+              <a:t>.</a:t>
             </a:r>
           </a:p>
           <a:p>
             <a:pPr lvl="1"/>
             <a:r>
+              <a:rPr lang="en-IN" dirty="0" err="1" smtClean="0"/>
+              <a:t>FileNotFoundException</a:t>
+            </a:r>
+            <a:endParaRPr lang="en-IN" dirty="0" smtClean="0"/>
+          </a:p>
+          <a:p>
+            <a:r>
               <a:rPr lang="en-IN" dirty="0" smtClean="0"/>
-              <a:t>File Reading Errors.</a:t>
-            </a:r>
-          </a:p>
-          <a:p>
+              <a:t>Unchecked </a:t>
+            </a:r>
             <a:r>
               <a:rPr lang="en-IN" dirty="0" smtClean="0"/>
-              <a:t>Unchecked Exceptions</a:t>
+              <a:t>Exceptions</a:t>
             </a:r>
           </a:p>
           <a:p>
             <a:pPr lvl="1"/>
             <a:r>
               <a:rPr lang="en-IN" dirty="0" smtClean="0"/>
-              <a:t>This will rise at runtime.</a:t>
-            </a:r>
+              <a:t>This will rise at </a:t>
+            </a:r>
+            <a:r>
+              <a:rPr lang="en-IN" dirty="0" smtClean="0"/>
+              <a:t>runtime and checked at runtime</a:t>
+            </a:r>
+            <a:endParaRPr lang="en-IN" dirty="0" smtClean="0"/>
           </a:p>
           <a:p>
             <a:pPr lvl="1"/>
@@ -19675,13 +19809,13 @@
         </p:spPr>
         <p:style>
           <a:lnRef idx="1">
-            <a:schemeClr val="accent3"/>
+            <a:schemeClr val="accent2"/>
           </a:lnRef>
           <a:fillRef idx="2">
-            <a:schemeClr val="accent3"/>
+            <a:schemeClr val="accent2"/>
           </a:fillRef>
           <a:effectRef idx="1">
-            <a:schemeClr val="accent3"/>
+            <a:schemeClr val="accent2"/>
           </a:effectRef>
           <a:fontRef idx="minor">
             <a:schemeClr val="dk1"/>
@@ -19824,7 +19958,7 @@
         </p:nvSpPr>
         <p:spPr>
           <a:xfrm>
-            <a:off x="3429000" y="5715000"/>
+            <a:off x="914400" y="5684838"/>
             <a:ext cx="2438400" cy="563562"/>
           </a:xfrm>
           <a:prstGeom prst="rect">
@@ -19833,13 +19967,13 @@
         </p:spPr>
         <p:style>
           <a:lnRef idx="1">
-            <a:schemeClr val="accent3"/>
+            <a:schemeClr val="accent2"/>
           </a:lnRef>
           <a:fillRef idx="2">
-            <a:schemeClr val="accent3"/>
+            <a:schemeClr val="accent2"/>
           </a:fillRef>
           <a:effectRef idx="1">
-            <a:schemeClr val="accent3"/>
+            <a:schemeClr val="accent2"/>
           </a:effectRef>
           <a:fontRef idx="minor">
             <a:schemeClr val="dk1"/>
@@ -19857,26 +19991,28 @@
               </a:spcBef>
             </a:pPr>
             <a:r>
+              <a:rPr lang="en-IN" sz="2500" dirty="0" err="1" smtClean="0">
+                <a:latin typeface="Cambria" pitchFamily="18" charset="0"/>
+                <a:ea typeface="+mj-ea"/>
+                <a:cs typeface="+mj-cs"/>
+              </a:rPr>
+              <a:t>Stac</a:t>
+            </a:r>
+            <a:r>
+              <a:rPr lang="en-IN" sz="2500" dirty="0" err="1" smtClean="0">
+                <a:latin typeface="Cambria" pitchFamily="18" charset="0"/>
+                <a:ea typeface="+mj-ea"/>
+                <a:cs typeface="+mj-cs"/>
+              </a:rPr>
+              <a:t>kOverFlow</a:t>
+            </a:r>
+            <a:r>
               <a:rPr lang="en-IN" sz="2500" dirty="0" smtClean="0">
                 <a:latin typeface="Cambria" pitchFamily="18" charset="0"/>
                 <a:ea typeface="+mj-ea"/>
                 <a:cs typeface="+mj-cs"/>
               </a:rPr>
-              <a:t>Runtime </a:t>
-            </a:r>
-            <a:r>
-              <a:rPr lang="en-IN" sz="2500" dirty="0" smtClean="0">
-                <a:latin typeface="Cambria" pitchFamily="18" charset="0"/>
-              </a:rPr>
-              <a:t>Exceptions</a:t>
-            </a:r>
-            <a:r>
-              <a:rPr lang="en-IN" sz="2500" dirty="0" smtClean="0">
-                <a:latin typeface="Cambria" pitchFamily="18" charset="0"/>
-                <a:ea typeface="+mj-ea"/>
-                <a:cs typeface="+mj-cs"/>
-              </a:rPr>
-              <a:t> </a:t>
+              <a:t> Error</a:t>
             </a:r>
             <a:endParaRPr kumimoji="0" lang="en-US" sz="2500" b="0" i="0" u="none" strike="noStrike" kern="1200" cap="none" spc="0" normalizeH="0" baseline="0" noProof="0" dirty="0">
               <a:ln>
@@ -19905,7 +20041,7 @@
         </p:nvSpPr>
         <p:spPr>
           <a:xfrm>
-            <a:off x="6477000" y="5684838"/>
+            <a:off x="6477000" y="5697538"/>
             <a:ext cx="2438400" cy="563562"/>
           </a:xfrm>
           <a:prstGeom prst="rect">
@@ -19914,13 +20050,13 @@
         </p:spPr>
         <p:style>
           <a:lnRef idx="1">
-            <a:schemeClr val="accent3"/>
+            <a:schemeClr val="accent2"/>
           </a:lnRef>
           <a:fillRef idx="2">
-            <a:schemeClr val="accent3"/>
+            <a:schemeClr val="accent2"/>
           </a:fillRef>
           <a:effectRef idx="1">
-            <a:schemeClr val="accent3"/>
+            <a:schemeClr val="accent2"/>
           </a:effectRef>
           <a:fontRef idx="minor">
             <a:schemeClr val="dk1"/>
@@ -19928,7 +20064,7 @@
         </p:style>
         <p:txBody>
           <a:bodyPr vert="horz" lIns="91440" tIns="45720" rIns="91440" bIns="45720" rtlCol="0" anchor="ctr">
-            <a:normAutofit/>
+            <a:normAutofit fontScale="77500" lnSpcReduction="20000"/>
           </a:bodyPr>
           <a:lstStyle/>
           <a:p>
@@ -19943,7 +20079,15 @@
                 <a:ea typeface="+mj-ea"/>
                 <a:cs typeface="+mj-cs"/>
               </a:rPr>
-              <a:t>IOExceptions</a:t>
+              <a:t>OutOfMemmory</a:t>
+            </a:r>
+            <a:r>
+              <a:rPr lang="en-IN" sz="2500" dirty="0" smtClean="0">
+                <a:latin typeface="Cambria" pitchFamily="18" charset="0"/>
+                <a:ea typeface="+mj-ea"/>
+                <a:cs typeface="+mj-cs"/>
+              </a:rPr>
+              <a:t> Error</a:t>
             </a:r>
             <a:endParaRPr kumimoji="0" lang="en-US" sz="2500" b="0" i="0" u="none" strike="noStrike" kern="1200" cap="none" spc="0" normalizeH="0" baseline="0" noProof="0" dirty="0">
               <a:ln>
@@ -20114,15 +20258,15 @@
         <p:nvCxnSpPr>
           <p:cNvPr id="25" name="Elbow Connector 24"/>
           <p:cNvCxnSpPr>
-            <a:stCxn id="8" idx="2"/>
+            <a:stCxn id="7" idx="2"/>
             <a:endCxn id="9" idx="0"/>
           </p:cNvCxnSpPr>
           <p:nvPr/>
         </p:nvCxnSpPr>
         <p:spPr>
-          <a:xfrm rot="5400000">
-            <a:off x="5448300" y="4152900"/>
-            <a:ext cx="762000" cy="2362200"/>
+          <a:xfrm rot="16200000" flipH="1">
+            <a:off x="1691481" y="5242719"/>
+            <a:ext cx="731838" cy="152400"/>
           </a:xfrm>
           <a:prstGeom prst="bentConnector3">
             <a:avLst>
@@ -20152,15 +20296,128 @@
         <p:nvCxnSpPr>
           <p:cNvPr id="29" name="Elbow Connector 28"/>
           <p:cNvCxnSpPr>
-            <a:stCxn id="8" idx="2"/>
+            <a:stCxn id="7" idx="2"/>
             <a:endCxn id="10" idx="0"/>
           </p:cNvCxnSpPr>
           <p:nvPr/>
         </p:nvCxnSpPr>
         <p:spPr>
           <a:xfrm rot="16200000" flipH="1">
-            <a:off x="6987381" y="4976019"/>
-            <a:ext cx="731838" cy="685800"/>
+            <a:off x="4466431" y="2467769"/>
+            <a:ext cx="744538" cy="5715000"/>
+          </a:xfrm>
+          <a:prstGeom prst="bentConnector3">
+            <a:avLst>
+              <a:gd name="adj1" fmla="val 50000"/>
+            </a:avLst>
+          </a:prstGeom>
+          <a:ln>
+            <a:tailEnd type="arrow"/>
+          </a:ln>
+        </p:spPr>
+        <p:style>
+          <a:lnRef idx="2">
+            <a:schemeClr val="dk1"/>
+          </a:lnRef>
+          <a:fillRef idx="0">
+            <a:schemeClr val="dk1"/>
+          </a:fillRef>
+          <a:effectRef idx="1">
+            <a:schemeClr val="dk1"/>
+          </a:effectRef>
+          <a:fontRef idx="minor">
+            <a:schemeClr val="tx1"/>
+          </a:fontRef>
+        </p:style>
+      </p:cxnSp>
+      <p:sp>
+        <p:nvSpPr>
+          <p:cNvPr id="16" name="Title 1"/>
+          <p:cNvSpPr txBox="1">
+            <a:spLocks/>
+          </p:cNvSpPr>
+          <p:nvPr/>
+        </p:nvSpPr>
+        <p:spPr>
+          <a:xfrm>
+            <a:off x="3733800" y="5684838"/>
+            <a:ext cx="2438400" cy="563562"/>
+          </a:xfrm>
+          <a:prstGeom prst="rect">
+            <a:avLst/>
+          </a:prstGeom>
+        </p:spPr>
+        <p:style>
+          <a:lnRef idx="1">
+            <a:schemeClr val="accent2"/>
+          </a:lnRef>
+          <a:fillRef idx="2">
+            <a:schemeClr val="accent2"/>
+          </a:fillRef>
+          <a:effectRef idx="1">
+            <a:schemeClr val="accent2"/>
+          </a:effectRef>
+          <a:fontRef idx="minor">
+            <a:schemeClr val="dk1"/>
+          </a:fontRef>
+        </p:style>
+        <p:txBody>
+          <a:bodyPr vert="horz" lIns="91440" tIns="45720" rIns="91440" bIns="45720" rtlCol="0" anchor="ctr">
+            <a:normAutofit fontScale="77500" lnSpcReduction="20000"/>
+          </a:bodyPr>
+          <a:lstStyle/>
+          <a:p>
+            <a:pPr lvl="0" algn="ctr">
+              <a:spcBef>
+                <a:spcPct val="0"/>
+              </a:spcBef>
+            </a:pPr>
+            <a:r>
+              <a:rPr lang="en-IN" sz="2500" dirty="0" err="1" smtClean="0">
+                <a:latin typeface="Cambria" pitchFamily="18" charset="0"/>
+                <a:ea typeface="+mj-ea"/>
+                <a:cs typeface="+mj-cs"/>
+              </a:rPr>
+              <a:t>VirtualMachine</a:t>
+            </a:r>
+            <a:r>
+              <a:rPr lang="en-IN" sz="2500" dirty="0" smtClean="0">
+                <a:latin typeface="Cambria" pitchFamily="18" charset="0"/>
+                <a:ea typeface="+mj-ea"/>
+                <a:cs typeface="+mj-cs"/>
+              </a:rPr>
+              <a:t> Error</a:t>
+            </a:r>
+            <a:endParaRPr kumimoji="0" lang="en-US" sz="2500" b="0" i="0" u="none" strike="noStrike" kern="1200" cap="none" spc="0" normalizeH="0" baseline="0" noProof="0" dirty="0">
+              <a:ln>
+                <a:noFill/>
+              </a:ln>
+              <a:solidFill>
+                <a:schemeClr val="tx1"/>
+              </a:solidFill>
+              <a:effectLst/>
+              <a:uLnTx/>
+              <a:uFillTx/>
+              <a:latin typeface="Cambria" pitchFamily="18" charset="0"/>
+              <a:ea typeface="+mj-ea"/>
+              <a:cs typeface="+mj-cs"/>
+            </a:endParaRPr>
+          </a:p>
+        </p:txBody>
+      </p:sp>
+      <p:cxnSp>
+        <p:nvCxnSpPr>
+          <p:cNvPr id="17" name="Elbow Connector 16"/>
+          <p:cNvCxnSpPr>
+            <a:stCxn id="7" idx="2"/>
+            <a:endCxn id="16" idx="0"/>
+          </p:cNvCxnSpPr>
+          <p:nvPr/>
+        </p:nvCxnSpPr>
+        <p:spPr>
+          <a:xfrm rot="16200000" flipH="1">
+            <a:off x="3101181" y="3833019"/>
+            <a:ext cx="731838" cy="2971800"/>
           </a:xfrm>
           <a:prstGeom prst="bentConnector3">
             <a:avLst>
@@ -20223,12 +20480,14 @@
         </p:nvSpPr>
         <p:spPr/>
         <p:txBody>
-          <a:bodyPr/>
+          <a:bodyPr>
+            <a:normAutofit/>
+          </a:bodyPr>
           <a:lstStyle/>
           <a:p>
             <a:r>
               <a:rPr lang="en-IN" dirty="0" smtClean="0"/>
-              <a:t>Exceptions</a:t>
+              <a:t>Exception Hierarchy</a:t>
             </a:r>
             <a:endParaRPr lang="en-US" dirty="0"/>
           </a:p>
@@ -20236,71 +20495,1166 @@
       </p:sp>
       <p:sp>
         <p:nvSpPr>
-          <p:cNvPr id="3" name="Content Placeholder 2"/>
-          <p:cNvSpPr>
-            <a:spLocks noGrp="1"/>
+          <p:cNvPr id="8" name="Title 1"/>
+          <p:cNvSpPr txBox="1">
+            <a:spLocks/>
           </p:cNvSpPr>
-          <p:nvPr>
-            <p:ph idx="1"/>
-          </p:nvPr>
+          <p:nvPr/>
         </p:nvSpPr>
-        <p:spPr/>
+        <p:spPr>
+          <a:xfrm>
+            <a:off x="3733800" y="1524000"/>
+            <a:ext cx="2438400" cy="563562"/>
+          </a:xfrm>
+          <a:prstGeom prst="rect">
+            <a:avLst/>
+          </a:prstGeom>
+        </p:spPr>
+        <p:style>
+          <a:lnRef idx="1">
+            <a:schemeClr val="accent3"/>
+          </a:lnRef>
+          <a:fillRef idx="2">
+            <a:schemeClr val="accent3"/>
+          </a:fillRef>
+          <a:effectRef idx="1">
+            <a:schemeClr val="accent3"/>
+          </a:effectRef>
+          <a:fontRef idx="minor">
+            <a:schemeClr val="dk1"/>
+          </a:fontRef>
+        </p:style>
         <p:txBody>
-          <a:bodyPr>
+          <a:bodyPr vert="horz" lIns="91440" tIns="45720" rIns="91440" bIns="45720" rtlCol="0" anchor="ctr">
             <a:normAutofit/>
           </a:bodyPr>
           <a:lstStyle/>
           <a:p>
-            <a:r>
-              <a:rPr lang="en-IN" dirty="0" smtClean="0"/>
-              <a:t>Runtime Exceptions</a:t>
-            </a:r>
-            <a:endParaRPr lang="en-US" dirty="0" smtClean="0"/>
-          </a:p>
-          <a:p>
-            <a:pPr lvl="1"/>
-            <a:r>
-              <a:rPr lang="en-US" dirty="0" smtClean="0"/>
-              <a:t>A bad cast</a:t>
-            </a:r>
-          </a:p>
-          <a:p>
-            <a:pPr lvl="1"/>
-            <a:r>
-              <a:rPr lang="en-US" dirty="0" smtClean="0"/>
-              <a:t>An out-of-bounds array access</a:t>
-            </a:r>
-          </a:p>
-          <a:p>
-            <a:pPr lvl="1"/>
-            <a:r>
-              <a:rPr lang="en-US" dirty="0" smtClean="0"/>
-              <a:t>A null pointer access</a:t>
-            </a:r>
-          </a:p>
-          <a:p>
-            <a:r>
-              <a:rPr lang="en-IN" dirty="0" err="1" smtClean="0"/>
-              <a:t>IOExceptions</a:t>
-            </a:r>
-            <a:endParaRPr lang="en-IN" dirty="0" smtClean="0"/>
-          </a:p>
-          <a:p>
-            <a:pPr lvl="1"/>
-            <a:r>
-              <a:rPr lang="en-US" dirty="0" smtClean="0"/>
-              <a:t>Trying to read past the end of a file</a:t>
-            </a:r>
-          </a:p>
-          <a:p>
-            <a:pPr lvl="1"/>
-            <a:r>
-              <a:rPr lang="en-US" dirty="0" smtClean="0"/>
-              <a:t>Trying to open a file that doesn’t exist</a:t>
-            </a:r>
+            <a:pPr marL="0" marR="0" lvl="0" indent="0" algn="ctr" defTabSz="914400" rtl="0" eaLnBrk="1" fontAlgn="auto" latinLnBrk="0" hangingPunct="1">
+              <a:lnSpc>
+                <a:spcPct val="100000"/>
+              </a:lnSpc>
+              <a:spcBef>
+                <a:spcPct val="0"/>
+              </a:spcBef>
+              <a:spcAft>
+                <a:spcPts val="0"/>
+              </a:spcAft>
+              <a:buClrTx/>
+              <a:buSzTx/>
+              <a:buFontTx/>
+              <a:buNone/>
+              <a:tabLst/>
+              <a:defRPr/>
+            </a:pPr>
+            <a:r>
+              <a:rPr lang="en-IN" sz="2500" dirty="0" smtClean="0">
+                <a:latin typeface="Cambria" pitchFamily="18" charset="0"/>
+                <a:ea typeface="+mj-ea"/>
+                <a:cs typeface="+mj-cs"/>
+              </a:rPr>
+              <a:t>Exceptions</a:t>
+            </a:r>
+            <a:endParaRPr kumimoji="0" lang="en-US" sz="2500" b="0" i="0" u="none" strike="noStrike" kern="1200" cap="none" spc="0" normalizeH="0" baseline="0" noProof="0" dirty="0">
+              <a:ln>
+                <a:noFill/>
+              </a:ln>
+              <a:solidFill>
+                <a:schemeClr val="tx1"/>
+              </a:solidFill>
+              <a:effectLst/>
+              <a:uLnTx/>
+              <a:uFillTx/>
+              <a:latin typeface="Cambria" pitchFamily="18" charset="0"/>
+              <a:ea typeface="+mj-ea"/>
+              <a:cs typeface="+mj-cs"/>
+            </a:endParaRPr>
           </a:p>
         </p:txBody>
       </p:sp>
+      <p:sp>
+        <p:nvSpPr>
+          <p:cNvPr id="9" name="Title 1"/>
+          <p:cNvSpPr txBox="1">
+            <a:spLocks/>
+          </p:cNvSpPr>
+          <p:nvPr/>
+        </p:nvSpPr>
+        <p:spPr>
+          <a:xfrm>
+            <a:off x="762000" y="2895600"/>
+            <a:ext cx="2438400" cy="563562"/>
+          </a:xfrm>
+          <a:prstGeom prst="rect">
+            <a:avLst/>
+          </a:prstGeom>
+        </p:spPr>
+        <p:style>
+          <a:lnRef idx="2">
+            <a:schemeClr val="accent2"/>
+          </a:lnRef>
+          <a:fillRef idx="1">
+            <a:schemeClr val="lt1"/>
+          </a:fillRef>
+          <a:effectRef idx="0">
+            <a:schemeClr val="accent2"/>
+          </a:effectRef>
+          <a:fontRef idx="minor">
+            <a:schemeClr val="dk1"/>
+          </a:fontRef>
+        </p:style>
+        <p:txBody>
+          <a:bodyPr vert="horz" lIns="91440" tIns="45720" rIns="91440" bIns="45720" rtlCol="0" anchor="ctr">
+            <a:normAutofit fontScale="77500" lnSpcReduction="20000"/>
+          </a:bodyPr>
+          <a:lstStyle/>
+          <a:p>
+            <a:pPr lvl="0" algn="ctr">
+              <a:spcBef>
+                <a:spcPct val="0"/>
+              </a:spcBef>
+            </a:pPr>
+            <a:r>
+              <a:rPr lang="en-IN" sz="2500" dirty="0" smtClean="0">
+                <a:latin typeface="Cambria" pitchFamily="18" charset="0"/>
+                <a:ea typeface="+mj-ea"/>
+                <a:cs typeface="+mj-cs"/>
+              </a:rPr>
+              <a:t>Runtime </a:t>
+            </a:r>
+            <a:r>
+              <a:rPr lang="en-IN" sz="2500" dirty="0" smtClean="0">
+                <a:latin typeface="Cambria" pitchFamily="18" charset="0"/>
+              </a:rPr>
+              <a:t>Exceptions</a:t>
+            </a:r>
+            <a:r>
+              <a:rPr lang="en-IN" sz="2500" dirty="0" smtClean="0">
+                <a:latin typeface="Cambria" pitchFamily="18" charset="0"/>
+                <a:ea typeface="+mj-ea"/>
+                <a:cs typeface="+mj-cs"/>
+              </a:rPr>
+              <a:t> </a:t>
+            </a:r>
+            <a:endParaRPr kumimoji="0" lang="en-US" sz="2500" b="0" i="0" u="none" strike="noStrike" kern="1200" cap="none" spc="0" normalizeH="0" baseline="0" noProof="0" dirty="0">
+              <a:ln>
+                <a:noFill/>
+              </a:ln>
+              <a:solidFill>
+                <a:schemeClr val="tx1"/>
+              </a:solidFill>
+              <a:effectLst/>
+              <a:uLnTx/>
+              <a:uFillTx/>
+              <a:latin typeface="Cambria" pitchFamily="18" charset="0"/>
+              <a:ea typeface="+mj-ea"/>
+              <a:cs typeface="+mj-cs"/>
+            </a:endParaRPr>
+          </a:p>
+        </p:txBody>
+      </p:sp>
+      <p:sp>
+        <p:nvSpPr>
+          <p:cNvPr id="10" name="Title 1"/>
+          <p:cNvSpPr txBox="1">
+            <a:spLocks/>
+          </p:cNvSpPr>
+          <p:nvPr/>
+        </p:nvSpPr>
+        <p:spPr>
+          <a:xfrm>
+            <a:off x="7086600" y="2895600"/>
+            <a:ext cx="1676400" cy="563562"/>
+          </a:xfrm>
+          <a:prstGeom prst="rect">
+            <a:avLst/>
+          </a:prstGeom>
+        </p:spPr>
+        <p:style>
+          <a:lnRef idx="1">
+            <a:schemeClr val="accent3"/>
+          </a:lnRef>
+          <a:fillRef idx="2">
+            <a:schemeClr val="accent3"/>
+          </a:fillRef>
+          <a:effectRef idx="1">
+            <a:schemeClr val="accent3"/>
+          </a:effectRef>
+          <a:fontRef idx="minor">
+            <a:schemeClr val="dk1"/>
+          </a:fontRef>
+        </p:style>
+        <p:txBody>
+          <a:bodyPr vert="horz" lIns="91440" tIns="45720" rIns="91440" bIns="45720" rtlCol="0" anchor="ctr">
+            <a:normAutofit fontScale="62500" lnSpcReduction="20000"/>
+          </a:bodyPr>
+          <a:lstStyle/>
+          <a:p>
+            <a:pPr lvl="0" algn="ctr">
+              <a:spcBef>
+                <a:spcPct val="0"/>
+              </a:spcBef>
+            </a:pPr>
+            <a:r>
+              <a:rPr lang="en-IN" sz="2500" dirty="0" smtClean="0">
+                <a:latin typeface="Cambria" pitchFamily="18" charset="0"/>
+                <a:ea typeface="+mj-ea"/>
+                <a:cs typeface="+mj-cs"/>
+              </a:rPr>
+              <a:t>Class Not Found Exception</a:t>
+            </a:r>
+            <a:endParaRPr kumimoji="0" lang="en-US" sz="2500" b="0" i="0" u="none" strike="noStrike" kern="1200" cap="none" spc="0" normalizeH="0" baseline="0" noProof="0" dirty="0">
+              <a:ln>
+                <a:noFill/>
+              </a:ln>
+              <a:solidFill>
+                <a:schemeClr val="tx1"/>
+              </a:solidFill>
+              <a:effectLst/>
+              <a:uLnTx/>
+              <a:uFillTx/>
+              <a:latin typeface="Cambria" pitchFamily="18" charset="0"/>
+              <a:ea typeface="+mj-ea"/>
+              <a:cs typeface="+mj-cs"/>
+            </a:endParaRPr>
+          </a:p>
+        </p:txBody>
+      </p:sp>
+      <p:cxnSp>
+        <p:nvCxnSpPr>
+          <p:cNvPr id="25" name="Elbow Connector 24"/>
+          <p:cNvCxnSpPr>
+            <a:stCxn id="8" idx="2"/>
+            <a:endCxn id="9" idx="0"/>
+          </p:cNvCxnSpPr>
+          <p:nvPr/>
+        </p:nvCxnSpPr>
+        <p:spPr>
+          <a:xfrm rot="5400000">
+            <a:off x="3063081" y="1005681"/>
+            <a:ext cx="808038" cy="2971800"/>
+          </a:xfrm>
+          <a:prstGeom prst="bentConnector3">
+            <a:avLst>
+              <a:gd name="adj1" fmla="val 50000"/>
+            </a:avLst>
+          </a:prstGeom>
+          <a:ln>
+            <a:tailEnd type="arrow"/>
+          </a:ln>
+        </p:spPr>
+        <p:style>
+          <a:lnRef idx="2">
+            <a:schemeClr val="dk1"/>
+          </a:lnRef>
+          <a:fillRef idx="0">
+            <a:schemeClr val="dk1"/>
+          </a:fillRef>
+          <a:effectRef idx="1">
+            <a:schemeClr val="dk1"/>
+          </a:effectRef>
+          <a:fontRef idx="minor">
+            <a:schemeClr val="tx1"/>
+          </a:fontRef>
+        </p:style>
+      </p:cxnSp>
+      <p:cxnSp>
+        <p:nvCxnSpPr>
+          <p:cNvPr id="29" name="Elbow Connector 28"/>
+          <p:cNvCxnSpPr>
+            <a:stCxn id="8" idx="2"/>
+            <a:endCxn id="10" idx="0"/>
+          </p:cNvCxnSpPr>
+          <p:nvPr/>
+        </p:nvCxnSpPr>
+        <p:spPr>
+          <a:xfrm rot="16200000" flipH="1">
+            <a:off x="6034881" y="1005681"/>
+            <a:ext cx="808038" cy="2971800"/>
+          </a:xfrm>
+          <a:prstGeom prst="bentConnector3">
+            <a:avLst>
+              <a:gd name="adj1" fmla="val 50000"/>
+            </a:avLst>
+          </a:prstGeom>
+          <a:ln>
+            <a:tailEnd type="arrow"/>
+          </a:ln>
+        </p:spPr>
+        <p:style>
+          <a:lnRef idx="2">
+            <a:schemeClr val="dk1"/>
+          </a:lnRef>
+          <a:fillRef idx="0">
+            <a:schemeClr val="dk1"/>
+          </a:fillRef>
+          <a:effectRef idx="1">
+            <a:schemeClr val="dk1"/>
+          </a:effectRef>
+          <a:fontRef idx="minor">
+            <a:schemeClr val="tx1"/>
+          </a:fontRef>
+        </p:style>
+      </p:cxnSp>
+      <p:sp>
+        <p:nvSpPr>
+          <p:cNvPr id="16" name="Title 1"/>
+          <p:cNvSpPr txBox="1">
+            <a:spLocks/>
+          </p:cNvSpPr>
+          <p:nvPr/>
+        </p:nvSpPr>
+        <p:spPr>
+          <a:xfrm>
+            <a:off x="5257800" y="2895600"/>
+            <a:ext cx="1752600" cy="563562"/>
+          </a:xfrm>
+          <a:prstGeom prst="rect">
+            <a:avLst/>
+          </a:prstGeom>
+        </p:spPr>
+        <p:style>
+          <a:lnRef idx="1">
+            <a:schemeClr val="accent3"/>
+          </a:lnRef>
+          <a:fillRef idx="2">
+            <a:schemeClr val="accent3"/>
+          </a:fillRef>
+          <a:effectRef idx="1">
+            <a:schemeClr val="accent3"/>
+          </a:effectRef>
+          <a:fontRef idx="minor">
+            <a:schemeClr val="dk1"/>
+          </a:fontRef>
+        </p:style>
+        <p:txBody>
+          <a:bodyPr vert="horz" lIns="91440" tIns="45720" rIns="91440" bIns="45720" rtlCol="0" anchor="ctr">
+            <a:normAutofit fontScale="77500" lnSpcReduction="20000"/>
+          </a:bodyPr>
+          <a:lstStyle/>
+          <a:p>
+            <a:pPr lvl="0" algn="ctr">
+              <a:spcBef>
+                <a:spcPct val="0"/>
+              </a:spcBef>
+            </a:pPr>
+            <a:r>
+              <a:rPr lang="en-IN" sz="2500" dirty="0" smtClean="0">
+                <a:latin typeface="Cambria" pitchFamily="18" charset="0"/>
+                <a:ea typeface="+mj-ea"/>
+                <a:cs typeface="+mj-cs"/>
+              </a:rPr>
+              <a:t>SQL Exception</a:t>
+            </a:r>
+            <a:endParaRPr kumimoji="0" lang="en-US" sz="2500" b="0" i="0" u="none" strike="noStrike" kern="1200" cap="none" spc="0" normalizeH="0" baseline="0" noProof="0" dirty="0">
+              <a:ln>
+                <a:noFill/>
+              </a:ln>
+              <a:solidFill>
+                <a:schemeClr val="tx1"/>
+              </a:solidFill>
+              <a:effectLst/>
+              <a:uLnTx/>
+              <a:uFillTx/>
+              <a:latin typeface="Cambria" pitchFamily="18" charset="0"/>
+              <a:ea typeface="+mj-ea"/>
+              <a:cs typeface="+mj-cs"/>
+            </a:endParaRPr>
+          </a:p>
+        </p:txBody>
+      </p:sp>
+      <p:cxnSp>
+        <p:nvCxnSpPr>
+          <p:cNvPr id="17" name="Elbow Connector 16"/>
+          <p:cNvCxnSpPr>
+            <a:stCxn id="8" idx="2"/>
+            <a:endCxn id="16" idx="0"/>
+          </p:cNvCxnSpPr>
+          <p:nvPr/>
+        </p:nvCxnSpPr>
+        <p:spPr>
+          <a:xfrm rot="16200000" flipH="1">
+            <a:off x="5139531" y="1901031"/>
+            <a:ext cx="808038" cy="1181100"/>
+          </a:xfrm>
+          <a:prstGeom prst="bentConnector3">
+            <a:avLst>
+              <a:gd name="adj1" fmla="val 50000"/>
+            </a:avLst>
+          </a:prstGeom>
+          <a:ln>
+            <a:tailEnd type="arrow"/>
+          </a:ln>
+        </p:spPr>
+        <p:style>
+          <a:lnRef idx="2">
+            <a:schemeClr val="dk1"/>
+          </a:lnRef>
+          <a:fillRef idx="0">
+            <a:schemeClr val="dk1"/>
+          </a:fillRef>
+          <a:effectRef idx="1">
+            <a:schemeClr val="dk1"/>
+          </a:effectRef>
+          <a:fontRef idx="minor">
+            <a:schemeClr val="tx1"/>
+          </a:fontRef>
+        </p:style>
+      </p:cxnSp>
+      <p:sp>
+        <p:nvSpPr>
+          <p:cNvPr id="31" name="Title 1"/>
+          <p:cNvSpPr txBox="1">
+            <a:spLocks/>
+          </p:cNvSpPr>
+          <p:nvPr/>
+        </p:nvSpPr>
+        <p:spPr>
+          <a:xfrm>
+            <a:off x="3429000" y="2895600"/>
+            <a:ext cx="1752600" cy="563562"/>
+          </a:xfrm>
+          <a:prstGeom prst="rect">
+            <a:avLst/>
+          </a:prstGeom>
+        </p:spPr>
+        <p:style>
+          <a:lnRef idx="1">
+            <a:schemeClr val="accent3"/>
+          </a:lnRef>
+          <a:fillRef idx="2">
+            <a:schemeClr val="accent3"/>
+          </a:fillRef>
+          <a:effectRef idx="1">
+            <a:schemeClr val="accent3"/>
+          </a:effectRef>
+          <a:fontRef idx="minor">
+            <a:schemeClr val="dk1"/>
+          </a:fontRef>
+        </p:style>
+        <p:txBody>
+          <a:bodyPr vert="horz" lIns="91440" tIns="45720" rIns="91440" bIns="45720" rtlCol="0" anchor="ctr">
+            <a:normAutofit fontScale="92500"/>
+          </a:bodyPr>
+          <a:lstStyle/>
+          <a:p>
+            <a:pPr lvl="0" algn="ctr">
+              <a:spcBef>
+                <a:spcPct val="0"/>
+              </a:spcBef>
+            </a:pPr>
+            <a:r>
+              <a:rPr lang="en-IN" sz="2500" dirty="0" err="1" smtClean="0">
+                <a:latin typeface="Cambria" pitchFamily="18" charset="0"/>
+                <a:ea typeface="+mj-ea"/>
+                <a:cs typeface="+mj-cs"/>
+              </a:rPr>
+              <a:t>IOException</a:t>
+            </a:r>
+            <a:endParaRPr kumimoji="0" lang="en-US" sz="2500" b="0" i="0" u="none" strike="noStrike" kern="1200" cap="none" spc="0" normalizeH="0" baseline="0" noProof="0" dirty="0">
+              <a:ln>
+                <a:noFill/>
+              </a:ln>
+              <a:solidFill>
+                <a:schemeClr val="tx1"/>
+              </a:solidFill>
+              <a:effectLst/>
+              <a:uLnTx/>
+              <a:uFillTx/>
+              <a:latin typeface="Cambria" pitchFamily="18" charset="0"/>
+              <a:ea typeface="+mj-ea"/>
+              <a:cs typeface="+mj-cs"/>
+            </a:endParaRPr>
+          </a:p>
+        </p:txBody>
+      </p:sp>
+      <p:sp>
+        <p:nvSpPr>
+          <p:cNvPr id="32" name="Title 1"/>
+          <p:cNvSpPr txBox="1">
+            <a:spLocks/>
+          </p:cNvSpPr>
+          <p:nvPr/>
+        </p:nvSpPr>
+        <p:spPr>
+          <a:xfrm>
+            <a:off x="914400" y="4038600"/>
+            <a:ext cx="1752600" cy="563562"/>
+          </a:xfrm>
+          <a:prstGeom prst="rect">
+            <a:avLst/>
+          </a:prstGeom>
+        </p:spPr>
+        <p:style>
+          <a:lnRef idx="2">
+            <a:schemeClr val="accent2"/>
+          </a:lnRef>
+          <a:fillRef idx="1">
+            <a:schemeClr val="lt1"/>
+          </a:fillRef>
+          <a:effectRef idx="0">
+            <a:schemeClr val="accent2"/>
+          </a:effectRef>
+          <a:fontRef idx="minor">
+            <a:schemeClr val="dk1"/>
+          </a:fontRef>
+        </p:style>
+        <p:txBody>
+          <a:bodyPr vert="horz" lIns="91440" tIns="45720" rIns="91440" bIns="45720" rtlCol="0" anchor="ctr">
+            <a:normAutofit fontScale="77500" lnSpcReduction="20000"/>
+          </a:bodyPr>
+          <a:lstStyle/>
+          <a:p>
+            <a:pPr lvl="0" algn="ctr">
+              <a:spcBef>
+                <a:spcPct val="0"/>
+              </a:spcBef>
+            </a:pPr>
+            <a:r>
+              <a:rPr lang="en-IN" sz="2500" dirty="0" smtClean="0">
+                <a:latin typeface="Cambria" pitchFamily="18" charset="0"/>
+                <a:ea typeface="+mj-ea"/>
+                <a:cs typeface="+mj-cs"/>
+              </a:rPr>
+              <a:t>Arithmetic Exception</a:t>
+            </a:r>
+            <a:endParaRPr kumimoji="0" lang="en-US" sz="2500" b="0" i="0" u="none" strike="noStrike" kern="1200" cap="none" spc="0" normalizeH="0" baseline="0" noProof="0" dirty="0">
+              <a:ln>
+                <a:noFill/>
+              </a:ln>
+              <a:solidFill>
+                <a:schemeClr val="tx1"/>
+              </a:solidFill>
+              <a:effectLst/>
+              <a:uLnTx/>
+              <a:uFillTx/>
+              <a:latin typeface="Cambria" pitchFamily="18" charset="0"/>
+              <a:ea typeface="+mj-ea"/>
+              <a:cs typeface="+mj-cs"/>
+            </a:endParaRPr>
+          </a:p>
+        </p:txBody>
+      </p:sp>
+      <p:sp>
+        <p:nvSpPr>
+          <p:cNvPr id="33" name="Title 1"/>
+          <p:cNvSpPr txBox="1">
+            <a:spLocks/>
+          </p:cNvSpPr>
+          <p:nvPr/>
+        </p:nvSpPr>
+        <p:spPr>
+          <a:xfrm>
+            <a:off x="914400" y="4800600"/>
+            <a:ext cx="1752600" cy="563562"/>
+          </a:xfrm>
+          <a:prstGeom prst="rect">
+            <a:avLst/>
+          </a:prstGeom>
+        </p:spPr>
+        <p:style>
+          <a:lnRef idx="2">
+            <a:schemeClr val="accent2"/>
+          </a:lnRef>
+          <a:fillRef idx="1">
+            <a:schemeClr val="lt1"/>
+          </a:fillRef>
+          <a:effectRef idx="0">
+            <a:schemeClr val="accent2"/>
+          </a:effectRef>
+          <a:fontRef idx="minor">
+            <a:schemeClr val="dk1"/>
+          </a:fontRef>
+        </p:style>
+        <p:txBody>
+          <a:bodyPr vert="horz" lIns="91440" tIns="45720" rIns="91440" bIns="45720" rtlCol="0" anchor="ctr">
+            <a:normAutofit fontScale="77500" lnSpcReduction="20000"/>
+          </a:bodyPr>
+          <a:lstStyle/>
+          <a:p>
+            <a:pPr lvl="0" algn="ctr">
+              <a:spcBef>
+                <a:spcPct val="0"/>
+              </a:spcBef>
+            </a:pPr>
+            <a:r>
+              <a:rPr lang="en-IN" sz="2500" dirty="0" err="1" smtClean="0">
+                <a:latin typeface="Cambria" pitchFamily="18" charset="0"/>
+                <a:ea typeface="+mj-ea"/>
+                <a:cs typeface="+mj-cs"/>
+              </a:rPr>
+              <a:t>NullPointer</a:t>
+            </a:r>
+            <a:r>
+              <a:rPr lang="en-IN" sz="2500" dirty="0" smtClean="0">
+                <a:latin typeface="Cambria" pitchFamily="18" charset="0"/>
+                <a:ea typeface="+mj-ea"/>
+                <a:cs typeface="+mj-cs"/>
+              </a:rPr>
+              <a:t> Exception</a:t>
+            </a:r>
+            <a:endParaRPr kumimoji="0" lang="en-US" sz="2500" b="0" i="0" u="none" strike="noStrike" kern="1200" cap="none" spc="0" normalizeH="0" baseline="0" noProof="0" dirty="0">
+              <a:ln>
+                <a:noFill/>
+              </a:ln>
+              <a:solidFill>
+                <a:schemeClr val="tx1"/>
+              </a:solidFill>
+              <a:effectLst/>
+              <a:uLnTx/>
+              <a:uFillTx/>
+              <a:latin typeface="Cambria" pitchFamily="18" charset="0"/>
+              <a:ea typeface="+mj-ea"/>
+              <a:cs typeface="+mj-cs"/>
+            </a:endParaRPr>
+          </a:p>
+        </p:txBody>
+      </p:sp>
+      <p:sp>
+        <p:nvSpPr>
+          <p:cNvPr id="34" name="Title 1"/>
+          <p:cNvSpPr txBox="1">
+            <a:spLocks/>
+          </p:cNvSpPr>
+          <p:nvPr/>
+        </p:nvSpPr>
+        <p:spPr>
+          <a:xfrm>
+            <a:off x="914400" y="5562600"/>
+            <a:ext cx="2057400" cy="563562"/>
+          </a:xfrm>
+          <a:prstGeom prst="rect">
+            <a:avLst/>
+          </a:prstGeom>
+        </p:spPr>
+        <p:style>
+          <a:lnRef idx="2">
+            <a:schemeClr val="accent2"/>
+          </a:lnRef>
+          <a:fillRef idx="1">
+            <a:schemeClr val="lt1"/>
+          </a:fillRef>
+          <a:effectRef idx="0">
+            <a:schemeClr val="accent2"/>
+          </a:effectRef>
+          <a:fontRef idx="minor">
+            <a:schemeClr val="dk1"/>
+          </a:fontRef>
+        </p:style>
+        <p:txBody>
+          <a:bodyPr vert="horz" lIns="91440" tIns="45720" rIns="91440" bIns="45720" rtlCol="0" anchor="ctr">
+            <a:normAutofit fontScale="77500" lnSpcReduction="20000"/>
+          </a:bodyPr>
+          <a:lstStyle/>
+          <a:p>
+            <a:pPr lvl="0" algn="ctr">
+              <a:spcBef>
+                <a:spcPct val="0"/>
+              </a:spcBef>
+            </a:pPr>
+            <a:r>
+              <a:rPr lang="en-IN" sz="2500" dirty="0" err="1" smtClean="0">
+                <a:latin typeface="Cambria" pitchFamily="18" charset="0"/>
+                <a:ea typeface="+mj-ea"/>
+                <a:cs typeface="+mj-cs"/>
+              </a:rPr>
+              <a:t>NumberFormat</a:t>
+            </a:r>
+            <a:r>
+              <a:rPr lang="en-IN" sz="2500" dirty="0" smtClean="0">
+                <a:latin typeface="Cambria" pitchFamily="18" charset="0"/>
+                <a:ea typeface="+mj-ea"/>
+                <a:cs typeface="+mj-cs"/>
+              </a:rPr>
+              <a:t> Exception</a:t>
+            </a:r>
+            <a:endParaRPr kumimoji="0" lang="en-US" sz="2500" b="0" i="0" u="none" strike="noStrike" kern="1200" cap="none" spc="0" normalizeH="0" baseline="0" noProof="0" dirty="0">
+              <a:ln>
+                <a:noFill/>
+              </a:ln>
+              <a:solidFill>
+                <a:schemeClr val="tx1"/>
+              </a:solidFill>
+              <a:effectLst/>
+              <a:uLnTx/>
+              <a:uFillTx/>
+              <a:latin typeface="Cambria" pitchFamily="18" charset="0"/>
+              <a:ea typeface="+mj-ea"/>
+              <a:cs typeface="+mj-cs"/>
+            </a:endParaRPr>
+          </a:p>
+        </p:txBody>
+      </p:sp>
+      <p:sp>
+        <p:nvSpPr>
+          <p:cNvPr id="35" name="Title 1"/>
+          <p:cNvSpPr txBox="1">
+            <a:spLocks/>
+          </p:cNvSpPr>
+          <p:nvPr/>
+        </p:nvSpPr>
+        <p:spPr>
+          <a:xfrm>
+            <a:off x="3581400" y="4046538"/>
+            <a:ext cx="2667000" cy="563562"/>
+          </a:xfrm>
+          <a:prstGeom prst="rect">
+            <a:avLst/>
+          </a:prstGeom>
+        </p:spPr>
+        <p:style>
+          <a:lnRef idx="1">
+            <a:schemeClr val="accent4"/>
+          </a:lnRef>
+          <a:fillRef idx="2">
+            <a:schemeClr val="accent4"/>
+          </a:fillRef>
+          <a:effectRef idx="1">
+            <a:schemeClr val="accent4"/>
+          </a:effectRef>
+          <a:fontRef idx="minor">
+            <a:schemeClr val="dk1"/>
+          </a:fontRef>
+        </p:style>
+        <p:txBody>
+          <a:bodyPr vert="horz" lIns="91440" tIns="45720" rIns="91440" bIns="45720" rtlCol="0" anchor="ctr">
+            <a:normAutofit fontScale="77500" lnSpcReduction="20000"/>
+          </a:bodyPr>
+          <a:lstStyle/>
+          <a:p>
+            <a:pPr lvl="0" algn="ctr">
+              <a:spcBef>
+                <a:spcPct val="0"/>
+              </a:spcBef>
+            </a:pPr>
+            <a:r>
+              <a:rPr lang="en-IN" sz="2500" dirty="0" err="1" smtClean="0">
+                <a:latin typeface="Cambria" pitchFamily="18" charset="0"/>
+                <a:ea typeface="+mj-ea"/>
+                <a:cs typeface="+mj-cs"/>
+              </a:rPr>
+              <a:t>IndexOutOfBounds</a:t>
+            </a:r>
+            <a:r>
+              <a:rPr lang="en-IN" sz="2500" dirty="0" smtClean="0">
+                <a:latin typeface="Cambria" pitchFamily="18" charset="0"/>
+                <a:ea typeface="+mj-ea"/>
+                <a:cs typeface="+mj-cs"/>
+              </a:rPr>
+              <a:t> Exception</a:t>
+            </a:r>
+            <a:endParaRPr kumimoji="0" lang="en-US" sz="2500" b="0" i="0" u="none" strike="noStrike" kern="1200" cap="none" spc="0" normalizeH="0" baseline="0" noProof="0" dirty="0">
+              <a:ln>
+                <a:noFill/>
+              </a:ln>
+              <a:solidFill>
+                <a:schemeClr val="tx1"/>
+              </a:solidFill>
+              <a:effectLst/>
+              <a:uLnTx/>
+              <a:uFillTx/>
+              <a:latin typeface="Cambria" pitchFamily="18" charset="0"/>
+              <a:ea typeface="+mj-ea"/>
+              <a:cs typeface="+mj-cs"/>
+            </a:endParaRPr>
+          </a:p>
+        </p:txBody>
+      </p:sp>
+      <p:sp>
+        <p:nvSpPr>
+          <p:cNvPr id="36" name="Title 1"/>
+          <p:cNvSpPr txBox="1">
+            <a:spLocks/>
+          </p:cNvSpPr>
+          <p:nvPr/>
+        </p:nvSpPr>
+        <p:spPr>
+          <a:xfrm>
+            <a:off x="6248400" y="5410200"/>
+            <a:ext cx="2514600" cy="563562"/>
+          </a:xfrm>
+          <a:prstGeom prst="rect">
+            <a:avLst/>
+          </a:prstGeom>
+        </p:spPr>
+        <p:style>
+          <a:lnRef idx="1">
+            <a:schemeClr val="accent4"/>
+          </a:lnRef>
+          <a:fillRef idx="2">
+            <a:schemeClr val="accent4"/>
+          </a:fillRef>
+          <a:effectRef idx="1">
+            <a:schemeClr val="accent4"/>
+          </a:effectRef>
+          <a:fontRef idx="minor">
+            <a:schemeClr val="dk1"/>
+          </a:fontRef>
+        </p:style>
+        <p:txBody>
+          <a:bodyPr vert="horz" lIns="91440" tIns="45720" rIns="91440" bIns="45720" rtlCol="0" anchor="ctr">
+            <a:noAutofit/>
+          </a:bodyPr>
+          <a:lstStyle/>
+          <a:p>
+            <a:pPr lvl="0" algn="ctr">
+              <a:spcBef>
+                <a:spcPct val="0"/>
+              </a:spcBef>
+            </a:pPr>
+            <a:r>
+              <a:rPr lang="en-IN" sz="1600" dirty="0" err="1" smtClean="0">
+                <a:latin typeface="Cambria" pitchFamily="18" charset="0"/>
+                <a:ea typeface="+mj-ea"/>
+                <a:cs typeface="+mj-cs"/>
+              </a:rPr>
+              <a:t>ArrayIndex</a:t>
+            </a:r>
+            <a:r>
+              <a:rPr lang="en-IN" sz="1600" dirty="0" err="1" smtClean="0">
+                <a:latin typeface="Cambria" pitchFamily="18" charset="0"/>
+                <a:ea typeface="+mj-ea"/>
+                <a:cs typeface="+mj-cs"/>
+              </a:rPr>
+              <a:t>OutOfBounds</a:t>
+            </a:r>
+            <a:r>
+              <a:rPr lang="en-IN" sz="1600" dirty="0" smtClean="0">
+                <a:latin typeface="Cambria" pitchFamily="18" charset="0"/>
+                <a:ea typeface="+mj-ea"/>
+                <a:cs typeface="+mj-cs"/>
+              </a:rPr>
+              <a:t> Exception</a:t>
+            </a:r>
+            <a:endParaRPr kumimoji="0" lang="en-US" sz="1600" b="0" i="0" u="none" strike="noStrike" kern="1200" cap="none" spc="0" normalizeH="0" baseline="0" noProof="0" dirty="0">
+              <a:ln>
+                <a:noFill/>
+              </a:ln>
+              <a:solidFill>
+                <a:schemeClr val="tx1"/>
+              </a:solidFill>
+              <a:effectLst/>
+              <a:uLnTx/>
+              <a:uFillTx/>
+              <a:latin typeface="Cambria" pitchFamily="18" charset="0"/>
+              <a:ea typeface="+mj-ea"/>
+              <a:cs typeface="+mj-cs"/>
+            </a:endParaRPr>
+          </a:p>
+        </p:txBody>
+      </p:sp>
+      <p:sp>
+        <p:nvSpPr>
+          <p:cNvPr id="37" name="Title 1"/>
+          <p:cNvSpPr txBox="1">
+            <a:spLocks/>
+          </p:cNvSpPr>
+          <p:nvPr/>
+        </p:nvSpPr>
+        <p:spPr>
+          <a:xfrm>
+            <a:off x="3352800" y="5410200"/>
+            <a:ext cx="2590800" cy="563562"/>
+          </a:xfrm>
+          <a:prstGeom prst="rect">
+            <a:avLst/>
+          </a:prstGeom>
+        </p:spPr>
+        <p:style>
+          <a:lnRef idx="1">
+            <a:schemeClr val="accent4"/>
+          </a:lnRef>
+          <a:fillRef idx="2">
+            <a:schemeClr val="accent4"/>
+          </a:fillRef>
+          <a:effectRef idx="1">
+            <a:schemeClr val="accent4"/>
+          </a:effectRef>
+          <a:fontRef idx="minor">
+            <a:schemeClr val="dk1"/>
+          </a:fontRef>
+        </p:style>
+        <p:txBody>
+          <a:bodyPr vert="horz" lIns="91440" tIns="45720" rIns="91440" bIns="45720" rtlCol="0" anchor="ctr">
+            <a:noAutofit/>
+          </a:bodyPr>
+          <a:lstStyle/>
+          <a:p>
+            <a:pPr lvl="0" algn="ctr">
+              <a:spcBef>
+                <a:spcPct val="0"/>
+              </a:spcBef>
+            </a:pPr>
+            <a:r>
+              <a:rPr lang="en-IN" sz="1600" dirty="0" err="1" smtClean="0">
+                <a:latin typeface="Cambria" pitchFamily="18" charset="0"/>
+                <a:ea typeface="+mj-ea"/>
+                <a:cs typeface="+mj-cs"/>
+              </a:rPr>
+              <a:t>StringIndex</a:t>
+            </a:r>
+            <a:r>
+              <a:rPr lang="en-IN" sz="1600" dirty="0" err="1" smtClean="0">
+                <a:latin typeface="Cambria" pitchFamily="18" charset="0"/>
+                <a:ea typeface="+mj-ea"/>
+                <a:cs typeface="+mj-cs"/>
+              </a:rPr>
+              <a:t>OutOfBounds</a:t>
+            </a:r>
+            <a:r>
+              <a:rPr lang="en-IN" sz="1600" dirty="0" smtClean="0">
+                <a:latin typeface="Cambria" pitchFamily="18" charset="0"/>
+                <a:ea typeface="+mj-ea"/>
+                <a:cs typeface="+mj-cs"/>
+              </a:rPr>
+              <a:t> Exception</a:t>
+            </a:r>
+            <a:endParaRPr kumimoji="0" lang="en-US" sz="1600" b="0" i="0" u="none" strike="noStrike" kern="1200" cap="none" spc="0" normalizeH="0" baseline="0" noProof="0" dirty="0">
+              <a:ln>
+                <a:noFill/>
+              </a:ln>
+              <a:solidFill>
+                <a:schemeClr val="tx1"/>
+              </a:solidFill>
+              <a:effectLst/>
+              <a:uLnTx/>
+              <a:uFillTx/>
+              <a:latin typeface="Cambria" pitchFamily="18" charset="0"/>
+              <a:ea typeface="+mj-ea"/>
+              <a:cs typeface="+mj-cs"/>
+            </a:endParaRPr>
+          </a:p>
+        </p:txBody>
+      </p:sp>
+      <p:cxnSp>
+        <p:nvCxnSpPr>
+          <p:cNvPr id="38" name="Elbow Connector 37"/>
+          <p:cNvCxnSpPr>
+            <a:stCxn id="9" idx="2"/>
+            <a:endCxn id="32" idx="1"/>
+          </p:cNvCxnSpPr>
+          <p:nvPr/>
+        </p:nvCxnSpPr>
+        <p:spPr>
+          <a:xfrm rot="5400000">
+            <a:off x="1017191" y="3356371"/>
+            <a:ext cx="861219" cy="1066800"/>
+          </a:xfrm>
+          <a:prstGeom prst="bentConnector4">
+            <a:avLst>
+              <a:gd name="adj1" fmla="val 33641"/>
+              <a:gd name="adj2" fmla="val 121429"/>
+            </a:avLst>
+          </a:prstGeom>
+          <a:ln>
+            <a:tailEnd type="arrow"/>
+          </a:ln>
+        </p:spPr>
+        <p:style>
+          <a:lnRef idx="2">
+            <a:schemeClr val="dk1"/>
+          </a:lnRef>
+          <a:fillRef idx="0">
+            <a:schemeClr val="dk1"/>
+          </a:fillRef>
+          <a:effectRef idx="1">
+            <a:schemeClr val="dk1"/>
+          </a:effectRef>
+          <a:fontRef idx="minor">
+            <a:schemeClr val="tx1"/>
+          </a:fontRef>
+        </p:style>
+      </p:cxnSp>
+      <p:cxnSp>
+        <p:nvCxnSpPr>
+          <p:cNvPr id="41" name="Elbow Connector 37"/>
+          <p:cNvCxnSpPr>
+            <a:stCxn id="32" idx="1"/>
+            <a:endCxn id="33" idx="1"/>
+          </p:cNvCxnSpPr>
+          <p:nvPr/>
+        </p:nvCxnSpPr>
+        <p:spPr>
+          <a:xfrm rot="10800000" flipV="1">
+            <a:off x="914400" y="4320381"/>
+            <a:ext cx="1588" cy="762000"/>
+          </a:xfrm>
+          <a:prstGeom prst="bentConnector3">
+            <a:avLst>
+              <a:gd name="adj1" fmla="val 14395466"/>
+            </a:avLst>
+          </a:prstGeom>
+          <a:ln>
+            <a:tailEnd type="arrow"/>
+          </a:ln>
+        </p:spPr>
+        <p:style>
+          <a:lnRef idx="2">
+            <a:schemeClr val="dk1"/>
+          </a:lnRef>
+          <a:fillRef idx="0">
+            <a:schemeClr val="dk1"/>
+          </a:fillRef>
+          <a:effectRef idx="1">
+            <a:schemeClr val="dk1"/>
+          </a:effectRef>
+          <a:fontRef idx="minor">
+            <a:schemeClr val="tx1"/>
+          </a:fontRef>
+        </p:style>
+      </p:cxnSp>
+      <p:cxnSp>
+        <p:nvCxnSpPr>
+          <p:cNvPr id="47" name="Elbow Connector 37"/>
+          <p:cNvCxnSpPr>
+            <a:stCxn id="32" idx="1"/>
+            <a:endCxn id="34" idx="1"/>
+          </p:cNvCxnSpPr>
+          <p:nvPr/>
+        </p:nvCxnSpPr>
+        <p:spPr>
+          <a:xfrm rot="10800000" flipV="1">
+            <a:off x="914400" y="4320381"/>
+            <a:ext cx="1588" cy="1524000"/>
+          </a:xfrm>
+          <a:prstGeom prst="bentConnector3">
+            <a:avLst>
+              <a:gd name="adj1" fmla="val 14395466"/>
+            </a:avLst>
+          </a:prstGeom>
+          <a:ln>
+            <a:tailEnd type="arrow"/>
+          </a:ln>
+        </p:spPr>
+        <p:style>
+          <a:lnRef idx="2">
+            <a:schemeClr val="dk1"/>
+          </a:lnRef>
+          <a:fillRef idx="0">
+            <a:schemeClr val="dk1"/>
+          </a:fillRef>
+          <a:effectRef idx="1">
+            <a:schemeClr val="dk1"/>
+          </a:effectRef>
+          <a:fontRef idx="minor">
+            <a:schemeClr val="tx1"/>
+          </a:fontRef>
+        </p:style>
+      </p:cxnSp>
+      <p:cxnSp>
+        <p:nvCxnSpPr>
+          <p:cNvPr id="50" name="Elbow Connector 37"/>
+          <p:cNvCxnSpPr>
+            <a:stCxn id="9" idx="2"/>
+            <a:endCxn id="35" idx="0"/>
+          </p:cNvCxnSpPr>
+          <p:nvPr/>
+        </p:nvCxnSpPr>
+        <p:spPr>
+          <a:xfrm rot="16200000" flipH="1">
+            <a:off x="3154362" y="2286000"/>
+            <a:ext cx="587376" cy="2933700"/>
+          </a:xfrm>
+          <a:prstGeom prst="bentConnector3">
+            <a:avLst>
+              <a:gd name="adj1" fmla="val 50000"/>
+            </a:avLst>
+          </a:prstGeom>
+          <a:ln>
+            <a:tailEnd type="arrow"/>
+          </a:ln>
+        </p:spPr>
+        <p:style>
+          <a:lnRef idx="2">
+            <a:schemeClr val="dk1"/>
+          </a:lnRef>
+          <a:fillRef idx="0">
+            <a:schemeClr val="dk1"/>
+          </a:fillRef>
+          <a:effectRef idx="1">
+            <a:schemeClr val="dk1"/>
+          </a:effectRef>
+          <a:fontRef idx="minor">
+            <a:schemeClr val="tx1"/>
+          </a:fontRef>
+        </p:style>
+      </p:cxnSp>
+      <p:cxnSp>
+        <p:nvCxnSpPr>
+          <p:cNvPr id="53" name="Elbow Connector 37"/>
+          <p:cNvCxnSpPr>
+            <a:stCxn id="35" idx="2"/>
+            <a:endCxn id="37" idx="0"/>
+          </p:cNvCxnSpPr>
+          <p:nvPr/>
+        </p:nvCxnSpPr>
+        <p:spPr>
+          <a:xfrm rot="5400000">
+            <a:off x="4381500" y="4876800"/>
+            <a:ext cx="800100" cy="266700"/>
+          </a:xfrm>
+          <a:prstGeom prst="bentConnector3">
+            <a:avLst>
+              <a:gd name="adj1" fmla="val 50000"/>
+            </a:avLst>
+          </a:prstGeom>
+          <a:ln>
+            <a:tailEnd type="arrow"/>
+          </a:ln>
+        </p:spPr>
+        <p:style>
+          <a:lnRef idx="2">
+            <a:schemeClr val="dk1"/>
+          </a:lnRef>
+          <a:fillRef idx="0">
+            <a:schemeClr val="dk1"/>
+          </a:fillRef>
+          <a:effectRef idx="1">
+            <a:schemeClr val="dk1"/>
+          </a:effectRef>
+          <a:fontRef idx="minor">
+            <a:schemeClr val="tx1"/>
+          </a:fontRef>
+        </p:style>
+      </p:cxnSp>
+      <p:cxnSp>
+        <p:nvCxnSpPr>
+          <p:cNvPr id="56" name="Elbow Connector 37"/>
+          <p:cNvCxnSpPr>
+            <a:stCxn id="35" idx="2"/>
+            <a:endCxn id="36" idx="0"/>
+          </p:cNvCxnSpPr>
+          <p:nvPr/>
+        </p:nvCxnSpPr>
+        <p:spPr>
+          <a:xfrm rot="16200000" flipH="1">
+            <a:off x="5810250" y="3714750"/>
+            <a:ext cx="800100" cy="2590800"/>
+          </a:xfrm>
+          <a:prstGeom prst="bentConnector3">
+            <a:avLst>
+              <a:gd name="adj1" fmla="val 50000"/>
+            </a:avLst>
+          </a:prstGeom>
+          <a:ln>
+            <a:tailEnd type="arrow"/>
+          </a:ln>
+        </p:spPr>
+        <p:style>
+          <a:lnRef idx="2">
+            <a:schemeClr val="dk1"/>
+          </a:lnRef>
+          <a:fillRef idx="0">
+            <a:schemeClr val="dk1"/>
+          </a:fillRef>
+          <a:effectRef idx="1">
+            <a:schemeClr val="dk1"/>
+          </a:effectRef>
+          <a:fontRef idx="minor">
+            <a:schemeClr val="tx1"/>
+          </a:fontRef>
+        </p:style>
+      </p:cxnSp>
     </p:spTree>
   </p:cSld>
   <p:clrMapOvr>
